--- a/tccc-jsinheritance.pptx
+++ b/tccc-jsinheritance.pptx
@@ -8,25 +8,23 @@
     <p:sldId id="256" r:id="rId2"/>
     <p:sldId id="257" r:id="rId3"/>
     <p:sldId id="293" r:id="rId4"/>
-    <p:sldId id="311" r:id="rId5"/>
-    <p:sldId id="296" r:id="rId6"/>
-    <p:sldId id="295" r:id="rId7"/>
-    <p:sldId id="309" r:id="rId8"/>
-    <p:sldId id="312" r:id="rId9"/>
-    <p:sldId id="297" r:id="rId10"/>
-    <p:sldId id="298" r:id="rId11"/>
-    <p:sldId id="299" r:id="rId12"/>
-    <p:sldId id="300" r:id="rId13"/>
-    <p:sldId id="292" r:id="rId14"/>
-    <p:sldId id="301" r:id="rId15"/>
-    <p:sldId id="313" r:id="rId16"/>
-    <p:sldId id="310" r:id="rId17"/>
-    <p:sldId id="303" r:id="rId18"/>
-    <p:sldId id="314" r:id="rId19"/>
-    <p:sldId id="305" r:id="rId20"/>
-    <p:sldId id="315" r:id="rId21"/>
-    <p:sldId id="291" r:id="rId22"/>
-    <p:sldId id="317" r:id="rId23"/>
+    <p:sldId id="296" r:id="rId5"/>
+    <p:sldId id="295" r:id="rId6"/>
+    <p:sldId id="309" r:id="rId7"/>
+    <p:sldId id="312" r:id="rId8"/>
+    <p:sldId id="297" r:id="rId9"/>
+    <p:sldId id="298" r:id="rId10"/>
+    <p:sldId id="299" r:id="rId11"/>
+    <p:sldId id="300" r:id="rId12"/>
+    <p:sldId id="292" r:id="rId13"/>
+    <p:sldId id="301" r:id="rId14"/>
+    <p:sldId id="313" r:id="rId15"/>
+    <p:sldId id="310" r:id="rId16"/>
+    <p:sldId id="314" r:id="rId17"/>
+    <p:sldId id="305" r:id="rId18"/>
+    <p:sldId id="315" r:id="rId19"/>
+    <p:sldId id="291" r:id="rId20"/>
+    <p:sldId id="317" r:id="rId21"/>
   </p:sldIdLst>
   <p:sldSz cx="9144000" cy="5715000" type="screen16x10"/>
   <p:notesSz cx="6858000" cy="9144000"/>
@@ -309,7 +307,7 @@
           <a:p>
             <a:fld id="{13F1E4F0-3D15-4E00-BDED-EFD0DA759B4A}" type="datetimeFigureOut">
               <a:rPr lang="en-US" smtClean="0"/>
-              <a:t>4/11/2012</a:t>
+              <a:t>4/14/2012</a:t>
             </a:fld>
             <a:endParaRPr lang="en-US"/>
           </a:p>
@@ -479,7 +477,7 @@
           <a:p>
             <a:fld id="{13F1E4F0-3D15-4E00-BDED-EFD0DA759B4A}" type="datetimeFigureOut">
               <a:rPr lang="en-US" smtClean="0"/>
-              <a:t>4/11/2012</a:t>
+              <a:t>4/14/2012</a:t>
             </a:fld>
             <a:endParaRPr lang="en-US"/>
           </a:p>
@@ -659,7 +657,7 @@
           <a:p>
             <a:fld id="{13F1E4F0-3D15-4E00-BDED-EFD0DA759B4A}" type="datetimeFigureOut">
               <a:rPr lang="en-US" smtClean="0"/>
-              <a:t>4/11/2012</a:t>
+              <a:t>4/14/2012</a:t>
             </a:fld>
             <a:endParaRPr lang="en-US"/>
           </a:p>
@@ -829,7 +827,7 @@
           <a:p>
             <a:fld id="{13F1E4F0-3D15-4E00-BDED-EFD0DA759B4A}" type="datetimeFigureOut">
               <a:rPr lang="en-US" smtClean="0"/>
-              <a:t>4/11/2012</a:t>
+              <a:t>4/14/2012</a:t>
             </a:fld>
             <a:endParaRPr lang="en-US"/>
           </a:p>
@@ -1075,7 +1073,7 @@
           <a:p>
             <a:fld id="{13F1E4F0-3D15-4E00-BDED-EFD0DA759B4A}" type="datetimeFigureOut">
               <a:rPr lang="en-US" smtClean="0"/>
-              <a:t>4/11/2012</a:t>
+              <a:t>4/14/2012</a:t>
             </a:fld>
             <a:endParaRPr lang="en-US"/>
           </a:p>
@@ -1363,7 +1361,7 @@
           <a:p>
             <a:fld id="{13F1E4F0-3D15-4E00-BDED-EFD0DA759B4A}" type="datetimeFigureOut">
               <a:rPr lang="en-US" smtClean="0"/>
-              <a:t>4/11/2012</a:t>
+              <a:t>4/14/2012</a:t>
             </a:fld>
             <a:endParaRPr lang="en-US"/>
           </a:p>
@@ -1785,7 +1783,7 @@
           <a:p>
             <a:fld id="{13F1E4F0-3D15-4E00-BDED-EFD0DA759B4A}" type="datetimeFigureOut">
               <a:rPr lang="en-US" smtClean="0"/>
-              <a:t>4/11/2012</a:t>
+              <a:t>4/14/2012</a:t>
             </a:fld>
             <a:endParaRPr lang="en-US"/>
           </a:p>
@@ -1903,7 +1901,7 @@
           <a:p>
             <a:fld id="{13F1E4F0-3D15-4E00-BDED-EFD0DA759B4A}" type="datetimeFigureOut">
               <a:rPr lang="en-US" smtClean="0"/>
-              <a:t>4/11/2012</a:t>
+              <a:t>4/14/2012</a:t>
             </a:fld>
             <a:endParaRPr lang="en-US"/>
           </a:p>
@@ -1998,7 +1996,7 @@
           <a:p>
             <a:fld id="{13F1E4F0-3D15-4E00-BDED-EFD0DA759B4A}" type="datetimeFigureOut">
               <a:rPr lang="en-US" smtClean="0"/>
-              <a:t>4/11/2012</a:t>
+              <a:t>4/14/2012</a:t>
             </a:fld>
             <a:endParaRPr lang="en-US"/>
           </a:p>
@@ -2275,7 +2273,7 @@
           <a:p>
             <a:fld id="{13F1E4F0-3D15-4E00-BDED-EFD0DA759B4A}" type="datetimeFigureOut">
               <a:rPr lang="en-US" smtClean="0"/>
-              <a:t>4/11/2012</a:t>
+              <a:t>4/14/2012</a:t>
             </a:fld>
             <a:endParaRPr lang="en-US"/>
           </a:p>
@@ -2528,7 +2526,7 @@
           <a:p>
             <a:fld id="{13F1E4F0-3D15-4E00-BDED-EFD0DA759B4A}" type="datetimeFigureOut">
               <a:rPr lang="en-US" smtClean="0"/>
-              <a:t>4/11/2012</a:t>
+              <a:t>4/14/2012</a:t>
             </a:fld>
             <a:endParaRPr lang="en-US"/>
           </a:p>
@@ -2744,7 +2742,7 @@
           <a:p>
             <a:fld id="{13F1E4F0-3D15-4E00-BDED-EFD0DA759B4A}" type="datetimeFigureOut">
               <a:rPr lang="en-US" smtClean="0"/>
-              <a:t>4/11/2012</a:t>
+              <a:t>4/14/2012</a:t>
             </a:fld>
             <a:endParaRPr lang="en-US"/>
           </a:p>
@@ -3280,6 +3278,26 @@
               </a:rPr>
               <a:t>kindohm</a:t>
             </a:r>
+            <a:r>
+              <a:rPr lang="en-US" sz="1800" dirty="0" smtClean="0">
+                <a:solidFill>
+                  <a:schemeClr val="bg1">
+                    <a:lumMod val="50000"/>
+                  </a:schemeClr>
+                </a:solidFill>
+              </a:rPr>
+              <a:t>/</a:t>
+            </a:r>
+            <a:r>
+              <a:rPr lang="en-US" sz="1800" dirty="0" err="1" smtClean="0">
+                <a:solidFill>
+                  <a:schemeClr val="bg1">
+                    <a:lumMod val="50000"/>
+                  </a:schemeClr>
+                </a:solidFill>
+              </a:rPr>
+              <a:t>tccc-jsinheritance</a:t>
+            </a:r>
             <a:endParaRPr lang="en-US" sz="1800" dirty="0">
               <a:solidFill>
                 <a:schemeClr val="bg1">
@@ -3367,7 +3385,7 @@
           <a:p>
             <a:r>
               <a:rPr lang="en-US" dirty="0" smtClean="0"/>
-              <a:t>Prototypal inheritance.</a:t>
+              <a:t>Functional inheritance.</a:t>
             </a:r>
           </a:p>
           <a:p>
@@ -3377,10 +3395,10 @@
             <a:r>
               <a:rPr lang="en-US" sz="2800" dirty="0" smtClean="0">
                 <a:solidFill>
-                  <a:srgbClr val="00B0F0"/>
+                  <a:srgbClr val="00FF00"/>
                 </a:solidFill>
               </a:rPr>
-              <a:t>just the objects.</a:t>
+              <a:t>pretty. expressive.</a:t>
             </a:r>
           </a:p>
         </p:txBody>
@@ -3388,7 +3406,7 @@
     </p:spTree>
     <p:extLst>
       <p:ext uri="{BB962C8B-B14F-4D97-AF65-F5344CB8AC3E}">
-        <p14:creationId xmlns:p14="http://schemas.microsoft.com/office/powerpoint/2010/main" val="2585702354"/>
+        <p14:creationId xmlns:p14="http://schemas.microsoft.com/office/powerpoint/2010/main" val="316018359"/>
       </p:ext>
     </p:extLst>
   </p:cSld>
@@ -3462,21 +3480,11 @@
           <a:p>
             <a:r>
               <a:rPr lang="en-US" dirty="0" smtClean="0"/>
-              <a:t>Functional inheritance.</a:t>
+              <a:t>Super-methods</a:t>
             </a:r>
           </a:p>
           <a:p>
             <a:endParaRPr lang="en-US" dirty="0"/>
-          </a:p>
-          <a:p>
-            <a:r>
-              <a:rPr lang="en-US" sz="2800" dirty="0" smtClean="0">
-                <a:solidFill>
-                  <a:srgbClr val="00FF00"/>
-                </a:solidFill>
-              </a:rPr>
-              <a:t>pretty. expressive.</a:t>
-            </a:r>
           </a:p>
         </p:txBody>
       </p:sp>
@@ -3519,56 +3527,88 @@
       </p:grpSpPr>
       <p:sp>
         <p:nvSpPr>
-          <p:cNvPr id="4" name="Title 5"/>
-          <p:cNvSpPr txBox="1">
-            <a:spLocks/>
-          </p:cNvSpPr>
+          <p:cNvPr id="4" name="TextBox 3"/>
+          <p:cNvSpPr txBox="1"/>
           <p:nvPr/>
         </p:nvSpPr>
         <p:spPr>
           <a:xfrm>
-            <a:off x="76200" y="1714500"/>
-            <a:ext cx="8991600" cy="2514600"/>
+            <a:off x="914400" y="1275933"/>
+            <a:ext cx="7162800" cy="2800767"/>
           </a:xfrm>
           <a:prstGeom prst="rect">
             <a:avLst/>
           </a:prstGeom>
+          <a:noFill/>
         </p:spPr>
         <p:txBody>
-          <a:bodyPr anchor="ctr" anchorCtr="0">
-            <a:noAutofit/>
+          <a:bodyPr wrap="square" rtlCol="0">
+            <a:spAutoFit/>
           </a:bodyPr>
-          <a:lstStyle>
-            <a:lvl1pPr algn="ctr" defTabSz="914400" rtl="0" eaLnBrk="1" latinLnBrk="0" hangingPunct="1">
-              <a:spcBef>
-                <a:spcPct val="0"/>
-              </a:spcBef>
-              <a:buNone/>
-              <a:defRPr sz="4400" kern="1200">
-                <a:solidFill>
-                  <a:schemeClr val="tx1"/>
-                </a:solidFill>
-                <a:latin typeface="+mj-lt"/>
-                <a:ea typeface="+mj-ea"/>
-                <a:cs typeface="+mj-cs"/>
-              </a:defRPr>
-            </a:lvl1pPr>
-          </a:lstStyle>
-          <a:p>
-            <a:r>
-              <a:rPr lang="en-US" dirty="0" smtClean="0"/>
-              <a:t>Super-methods</a:t>
-            </a:r>
-          </a:p>
-          <a:p>
-            <a:endParaRPr lang="en-US" dirty="0"/>
+          <a:lstStyle/>
+          <a:p>
+            <a:r>
+              <a:rPr lang="en-US" sz="4000" i="1" dirty="0" smtClean="0"/>
+              <a:t>“...I </a:t>
+            </a:r>
+            <a:r>
+              <a:rPr lang="en-US" sz="4000" i="1" dirty="0"/>
+              <a:t>have never once found need to use an </a:t>
+            </a:r>
+            <a:r>
+              <a:rPr lang="en-US" sz="4000" dirty="0" err="1">
+                <a:latin typeface="Courier New" pitchFamily="49" charset="0"/>
+                <a:cs typeface="Courier New" pitchFamily="49" charset="0"/>
+              </a:rPr>
+              <a:t>uber</a:t>
+            </a:r>
+            <a:r>
+              <a:rPr lang="en-US" sz="4000" i="1" dirty="0"/>
+              <a:t> function</a:t>
+            </a:r>
+            <a:r>
+              <a:rPr lang="en-US" sz="4000" i="1" dirty="0" smtClean="0"/>
+              <a:t>.”</a:t>
+            </a:r>
+          </a:p>
+          <a:p>
+            <a:endParaRPr lang="en-US" sz="2400" i="1" dirty="0"/>
+          </a:p>
+          <a:p>
+            <a:r>
+              <a:rPr lang="en-US" sz="2400" smtClean="0"/>
+              <a:t>Douglas </a:t>
+            </a:r>
+            <a:r>
+              <a:rPr lang="en-US" sz="2400" dirty="0" err="1" smtClean="0"/>
+              <a:t>Crockford</a:t>
+            </a:r>
+            <a:endParaRPr lang="en-US" sz="2400" dirty="0" smtClean="0"/>
+          </a:p>
+          <a:p>
+            <a:r>
+              <a:rPr lang="en-US" sz="2400" dirty="0">
+                <a:hlinkClick r:id="rId2"/>
+              </a:rPr>
+              <a:t>http://</a:t>
+            </a:r>
+            <a:r>
+              <a:rPr lang="en-US" sz="2400" dirty="0" smtClean="0">
+                <a:hlinkClick r:id="rId2"/>
+              </a:rPr>
+              <a:t>javascript.crockford.com/inheritance.html</a:t>
+            </a:r>
+            <a:endParaRPr lang="en-US" sz="2400" dirty="0" smtClean="0"/>
+          </a:p>
+          <a:p>
+            <a:endParaRPr lang="en-US" sz="2400" i="1" dirty="0"/>
           </a:p>
         </p:txBody>
       </p:sp>
     </p:spTree>
     <p:extLst>
       <p:ext uri="{BB962C8B-B14F-4D97-AF65-F5344CB8AC3E}">
-        <p14:creationId xmlns:p14="http://schemas.microsoft.com/office/powerpoint/2010/main" val="316018359"/>
+        <p14:creationId xmlns:p14="http://schemas.microsoft.com/office/powerpoint/2010/main" val="55578220"/>
       </p:ext>
     </p:extLst>
   </p:cSld>
@@ -3604,88 +3644,66 @@
       </p:grpSpPr>
       <p:sp>
         <p:nvSpPr>
-          <p:cNvPr id="4" name="TextBox 3"/>
-          <p:cNvSpPr txBox="1"/>
+          <p:cNvPr id="4" name="Title 5"/>
+          <p:cNvSpPr txBox="1">
+            <a:spLocks/>
+          </p:cNvSpPr>
           <p:nvPr/>
         </p:nvSpPr>
         <p:spPr>
           <a:xfrm>
-            <a:off x="914400" y="1275933"/>
-            <a:ext cx="7162800" cy="2800767"/>
+            <a:off x="76200" y="1714500"/>
+            <a:ext cx="8991600" cy="2514600"/>
           </a:xfrm>
           <a:prstGeom prst="rect">
             <a:avLst/>
           </a:prstGeom>
-          <a:noFill/>
         </p:spPr>
         <p:txBody>
-          <a:bodyPr wrap="square" rtlCol="0">
-            <a:spAutoFit/>
+          <a:bodyPr anchor="ctr" anchorCtr="0">
+            <a:noAutofit/>
           </a:bodyPr>
-          <a:lstStyle/>
-          <a:p>
-            <a:r>
-              <a:rPr lang="en-US" sz="4000" i="1" dirty="0" smtClean="0"/>
-              <a:t>“...I </a:t>
-            </a:r>
-            <a:r>
-              <a:rPr lang="en-US" sz="4000" i="1" dirty="0"/>
-              <a:t>have never once found need to use an </a:t>
-            </a:r>
-            <a:r>
-              <a:rPr lang="en-US" sz="4000" dirty="0" err="1">
-                <a:latin typeface="Courier New" pitchFamily="49" charset="0"/>
-                <a:cs typeface="Courier New" pitchFamily="49" charset="0"/>
+          <a:lstStyle>
+            <a:lvl1pPr algn="ctr" defTabSz="914400" rtl="0" eaLnBrk="1" latinLnBrk="0" hangingPunct="1">
+              <a:spcBef>
+                <a:spcPct val="0"/>
+              </a:spcBef>
+              <a:buNone/>
+              <a:defRPr sz="4400" kern="1200">
+                <a:solidFill>
+                  <a:schemeClr val="tx1"/>
+                </a:solidFill>
+                <a:latin typeface="+mj-lt"/>
+                <a:ea typeface="+mj-ea"/>
+                <a:cs typeface="+mj-cs"/>
+              </a:defRPr>
+            </a:lvl1pPr>
+          </a:lstStyle>
+          <a:p>
+            <a:r>
+              <a:rPr lang="en-US" dirty="0" smtClean="0"/>
+              <a:t>private state</a:t>
+            </a:r>
+          </a:p>
+          <a:p>
+            <a:endParaRPr lang="en-US" dirty="0"/>
+          </a:p>
+          <a:p>
+            <a:r>
+              <a:rPr lang="en-US" sz="2800" dirty="0" smtClean="0">
+                <a:solidFill>
+                  <a:srgbClr val="0070C0"/>
+                </a:solidFill>
               </a:rPr>
-              <a:t>uber</a:t>
-            </a:r>
-            <a:r>
-              <a:rPr lang="en-US" sz="4000" i="1" dirty="0"/>
-              <a:t> function</a:t>
-            </a:r>
-            <a:r>
-              <a:rPr lang="en-US" sz="4000" i="1" dirty="0" smtClean="0"/>
-              <a:t>.”</a:t>
-            </a:r>
-          </a:p>
-          <a:p>
-            <a:endParaRPr lang="en-US" sz="2400" i="1" dirty="0"/>
-          </a:p>
-          <a:p>
-            <a:r>
-              <a:rPr lang="en-US" sz="2400" smtClean="0"/>
-              <a:t>Douglas </a:t>
-            </a:r>
-            <a:r>
-              <a:rPr lang="en-US" sz="2400" dirty="0" err="1" smtClean="0"/>
-              <a:t>Crockford</a:t>
-            </a:r>
-            <a:endParaRPr lang="en-US" sz="2400" dirty="0" smtClean="0"/>
-          </a:p>
-          <a:p>
-            <a:r>
-              <a:rPr lang="en-US" sz="2400" dirty="0">
-                <a:hlinkClick r:id="rId2"/>
-              </a:rPr>
-              <a:t>http://</a:t>
-            </a:r>
-            <a:r>
-              <a:rPr lang="en-US" sz="2400" dirty="0" smtClean="0">
-                <a:hlinkClick r:id="rId2"/>
-              </a:rPr>
-              <a:t>javascript.crockford.com/inheritance.html</a:t>
-            </a:r>
-            <a:endParaRPr lang="en-US" sz="2400" dirty="0" smtClean="0"/>
-          </a:p>
-          <a:p>
-            <a:endParaRPr lang="en-US" sz="2400" i="1" dirty="0"/>
+              <a:t>does it matter?</a:t>
+            </a:r>
           </a:p>
         </p:txBody>
       </p:sp>
     </p:spTree>
     <p:extLst>
       <p:ext uri="{BB962C8B-B14F-4D97-AF65-F5344CB8AC3E}">
-        <p14:creationId xmlns:p14="http://schemas.microsoft.com/office/powerpoint/2010/main" val="55578220"/>
+        <p14:creationId xmlns:p14="http://schemas.microsoft.com/office/powerpoint/2010/main" val="779129992"/>
       </p:ext>
     </p:extLst>
   </p:cSld>
@@ -3729,7 +3747,7 @@
         </p:nvSpPr>
         <p:spPr>
           <a:xfrm>
-            <a:off x="76200" y="1714500"/>
+            <a:off x="76200" y="1409700"/>
             <a:ext cx="8991600" cy="2514600"/>
           </a:xfrm>
           <a:prstGeom prst="rect">
@@ -3759,7 +3777,7 @@
           <a:p>
             <a:r>
               <a:rPr lang="en-US" dirty="0" smtClean="0"/>
-              <a:t>private state</a:t>
+              <a:t>Initialization</a:t>
             </a:r>
           </a:p>
           <a:p>
@@ -3769,18 +3787,23 @@
             <a:r>
               <a:rPr lang="en-US" sz="2800" dirty="0" smtClean="0">
                 <a:solidFill>
-                  <a:srgbClr val="0070C0"/>
+                  <a:srgbClr val="FFC000"/>
                 </a:solidFill>
               </a:rPr>
-              <a:t>does it matter?</a:t>
-            </a:r>
+              <a:t>built-in versus convention</a:t>
+            </a:r>
+            <a:endParaRPr lang="en-US" sz="2800" dirty="0" smtClean="0">
+              <a:solidFill>
+                <a:srgbClr val="FFC000"/>
+              </a:solidFill>
+            </a:endParaRPr>
           </a:p>
         </p:txBody>
       </p:sp>
     </p:spTree>
     <p:extLst>
       <p:ext uri="{BB962C8B-B14F-4D97-AF65-F5344CB8AC3E}">
-        <p14:creationId xmlns:p14="http://schemas.microsoft.com/office/powerpoint/2010/main" val="779129992"/>
+        <p14:creationId xmlns:p14="http://schemas.microsoft.com/office/powerpoint/2010/main" val="739005502"/>
       </p:ext>
     </p:extLst>
   </p:cSld>
@@ -3824,7 +3847,7 @@
         </p:nvSpPr>
         <p:spPr>
           <a:xfrm>
-            <a:off x="76200" y="1409700"/>
+            <a:off x="76200" y="1714500"/>
             <a:ext cx="8991600" cy="2514600"/>
           </a:xfrm>
           <a:prstGeom prst="rect">
@@ -3854,15 +3877,57 @@
           <a:p>
             <a:r>
               <a:rPr lang="en-US" dirty="0" smtClean="0"/>
-              <a:t>initialization</a:t>
-            </a:r>
+              <a:t>3</a:t>
+            </a:r>
+            <a:r>
+              <a:rPr lang="en-US" baseline="30000" dirty="0" smtClean="0"/>
+              <a:t>rd</a:t>
+            </a:r>
+            <a:r>
+              <a:rPr lang="en-US" dirty="0" smtClean="0"/>
+              <a:t>-party libraries</a:t>
+            </a:r>
+          </a:p>
+          <a:p>
+            <a:endParaRPr lang="en-US" dirty="0"/>
+          </a:p>
+          <a:p>
+            <a:r>
+              <a:rPr lang="en-US" sz="2800" dirty="0" smtClean="0"/>
+              <a:t>backbone, prototype, base2, </a:t>
+            </a:r>
+            <a:r>
+              <a:rPr lang="en-US" sz="2800" dirty="0" err="1" smtClean="0"/>
+              <a:t>joose</a:t>
+            </a:r>
+            <a:r>
+              <a:rPr lang="en-US" sz="2800" dirty="0" smtClean="0"/>
+              <a:t>, </a:t>
+            </a:r>
+            <a:r>
+              <a:rPr lang="en-US" sz="2800" dirty="0" err="1" smtClean="0"/>
+              <a:t>jsclass</a:t>
+            </a:r>
+            <a:r>
+              <a:rPr lang="en-US" sz="2800" dirty="0" smtClean="0"/>
+              <a:t>, </a:t>
+            </a:r>
+            <a:r>
+              <a:rPr lang="en-US" sz="2800" dirty="0" err="1" smtClean="0"/>
+              <a:t>pd</a:t>
+            </a:r>
+            <a:r>
+              <a:rPr lang="en-US" sz="2800" dirty="0" smtClean="0"/>
+              <a:t>…</a:t>
+            </a:r>
+            <a:endParaRPr lang="en-US" sz="2800" dirty="0" smtClean="0"/>
           </a:p>
         </p:txBody>
       </p:sp>
     </p:spTree>
     <p:extLst>
       <p:ext uri="{BB962C8B-B14F-4D97-AF65-F5344CB8AC3E}">
-        <p14:creationId xmlns:p14="http://schemas.microsoft.com/office/powerpoint/2010/main" val="739005502"/>
+        <p14:creationId xmlns:p14="http://schemas.microsoft.com/office/powerpoint/2010/main" val="1696533742"/>
       </p:ext>
     </p:extLst>
   </p:cSld>
@@ -3936,48 +4001,35 @@
           <a:p>
             <a:r>
               <a:rPr lang="en-US" dirty="0" smtClean="0"/>
-              <a:t>3</a:t>
-            </a:r>
-            <a:r>
-              <a:rPr lang="en-US" baseline="30000" dirty="0" smtClean="0"/>
-              <a:t>rd</a:t>
-            </a:r>
-            <a:r>
-              <a:rPr lang="en-US" dirty="0" smtClean="0"/>
-              <a:t>-party libraries</a:t>
-            </a:r>
-          </a:p>
-          <a:p>
-            <a:endParaRPr lang="en-US" dirty="0"/>
-          </a:p>
-          <a:p>
-            <a:r>
-              <a:rPr lang="en-US" sz="2800" dirty="0" smtClean="0"/>
-              <a:t>backbone, prototype, base2, </a:t>
-            </a:r>
-            <a:r>
-              <a:rPr lang="en-US" sz="2800" dirty="0" err="1" smtClean="0"/>
-              <a:t>joose</a:t>
-            </a:r>
-            <a:r>
-              <a:rPr lang="en-US" sz="2800" dirty="0" smtClean="0"/>
-              <a:t>, </a:t>
-            </a:r>
-            <a:r>
-              <a:rPr lang="en-US" sz="2800" dirty="0" err="1" smtClean="0"/>
-              <a:t>jsclass</a:t>
-            </a:r>
-            <a:r>
-              <a:rPr lang="en-US" sz="2800" dirty="0" smtClean="0"/>
-              <a:t>…</a:t>
-            </a:r>
+              <a:t>prototype.js</a:t>
+            </a:r>
+          </a:p>
+          <a:p>
+            <a:endParaRPr lang="en-US" sz="2800" dirty="0">
+              <a:solidFill>
+                <a:srgbClr val="0070C0"/>
+              </a:solidFill>
+              <a:latin typeface="Monaco" pitchFamily="49" charset="0"/>
+            </a:endParaRPr>
+          </a:p>
+          <a:p>
+            <a:r>
+              <a:rPr lang="en-US" sz="2800" dirty="0" smtClean="0">
+                <a:hlinkClick r:id="rId2"/>
+              </a:rPr>
+              <a:t>http://prototypejs.org</a:t>
+            </a:r>
+            <a:endParaRPr lang="en-US" sz="2800" dirty="0" smtClean="0"/>
+          </a:p>
+          <a:p>
+            <a:endParaRPr lang="en-US" sz="2800" dirty="0" smtClean="0"/>
           </a:p>
         </p:txBody>
       </p:sp>
     </p:spTree>
     <p:extLst>
       <p:ext uri="{BB962C8B-B14F-4D97-AF65-F5344CB8AC3E}">
-        <p14:creationId xmlns:p14="http://schemas.microsoft.com/office/powerpoint/2010/main" val="1696533742"/>
+        <p14:creationId xmlns:p14="http://schemas.microsoft.com/office/powerpoint/2010/main" val="3747742213"/>
       </p:ext>
     </p:extLst>
   </p:cSld>
@@ -4021,8 +4073,8 @@
         </p:nvSpPr>
         <p:spPr>
           <a:xfrm>
-            <a:off x="76200" y="1714500"/>
-            <a:ext cx="8991600" cy="2514600"/>
+            <a:off x="1066800" y="1485900"/>
+            <a:ext cx="7620000" cy="2514600"/>
           </a:xfrm>
           <a:prstGeom prst="rect">
             <a:avLst/>
@@ -4049,78 +4101,66 @@
             </a:lvl1pPr>
           </a:lstStyle>
           <a:p>
-            <a:r>
-              <a:rPr lang="en-US" dirty="0" err="1" smtClean="0"/>
-              <a:t>pd</a:t>
-            </a:r>
-            <a:endParaRPr lang="en-US" dirty="0" smtClean="0"/>
-          </a:p>
-          <a:p>
-            <a:endParaRPr lang="en-US" dirty="0"/>
-          </a:p>
-          <a:p>
-            <a:r>
-              <a:rPr lang="en-US" sz="2800" dirty="0" err="1" smtClean="0">
-                <a:solidFill>
-                  <a:srgbClr val="0070C0"/>
-                </a:solidFill>
-                <a:latin typeface="Monaco" pitchFamily="49" charset="0"/>
+            <a:pPr algn="l"/>
+            <a:r>
+              <a:rPr lang="en-US" sz="4800" dirty="0" smtClean="0">
+                <a:solidFill>
+                  <a:srgbClr val="FFC000"/>
+                </a:solidFill>
               </a:rPr>
-              <a:t>npm</a:t>
-            </a:r>
-            <a:r>
-              <a:rPr lang="en-US" sz="2800" dirty="0" smtClean="0">
-                <a:solidFill>
-                  <a:srgbClr val="0070C0"/>
-                </a:solidFill>
-                <a:latin typeface="Monaco" pitchFamily="49" charset="0"/>
-              </a:rPr>
-              <a:t> install </a:t>
-            </a:r>
-            <a:r>
-              <a:rPr lang="en-US" sz="2800" dirty="0" err="1" smtClean="0">
-                <a:solidFill>
-                  <a:srgbClr val="0070C0"/>
-                </a:solidFill>
-                <a:latin typeface="Monaco" pitchFamily="49" charset="0"/>
-              </a:rPr>
-              <a:t>pd</a:t>
-            </a:r>
-            <a:endParaRPr lang="en-US" sz="2800" dirty="0" smtClean="0">
-              <a:solidFill>
-                <a:srgbClr val="0070C0"/>
-              </a:solidFill>
-              <a:latin typeface="Monaco" pitchFamily="49" charset="0"/>
-            </a:endParaRPr>
-          </a:p>
-          <a:p>
-            <a:endParaRPr lang="en-US" sz="2800" dirty="0">
-              <a:solidFill>
-                <a:srgbClr val="0070C0"/>
-              </a:solidFill>
-              <a:latin typeface="Monaco" pitchFamily="49" charset="0"/>
-            </a:endParaRPr>
-          </a:p>
-          <a:p>
-            <a:r>
-              <a:rPr lang="en-US" sz="2800" dirty="0">
-                <a:hlinkClick r:id="rId2"/>
-              </a:rPr>
-              <a:t>https://github.com/Raynos/pd</a:t>
-            </a:r>
-            <a:endParaRPr lang="en-US" sz="2800" dirty="0" smtClean="0">
-              <a:solidFill>
-                <a:srgbClr val="0070C0"/>
-              </a:solidFill>
-              <a:latin typeface="Monaco" pitchFamily="49" charset="0"/>
-            </a:endParaRPr>
+              <a:t>Recommendations:</a:t>
+            </a:r>
+          </a:p>
+          <a:p>
+            <a:pPr algn="l"/>
+            <a:r>
+              <a:rPr lang="en-US" sz="3600" dirty="0" smtClean="0"/>
+              <a:t/>
+            </a:r>
+            <a:br>
+              <a:rPr lang="en-US" sz="3600" dirty="0" smtClean="0"/>
+            </a:br>
+            <a:r>
+              <a:rPr lang="en-US" sz="2800" dirty="0" smtClean="0"/>
+              <a:t>1) Expose extensibility through an API</a:t>
+            </a:r>
+          </a:p>
+          <a:p>
+            <a:pPr algn="l"/>
+            <a:endParaRPr lang="en-US" sz="2800" dirty="0"/>
+          </a:p>
+          <a:p>
+            <a:pPr algn="l"/>
+            <a:r>
+              <a:rPr lang="en-US" sz="2800" dirty="0" smtClean="0"/>
+              <a:t>or</a:t>
+            </a:r>
+          </a:p>
+          <a:p>
+            <a:pPr algn="l"/>
+            <a:endParaRPr lang="en-US" sz="2800" dirty="0" smtClean="0"/>
+          </a:p>
+          <a:p>
+            <a:pPr algn="l"/>
+            <a:r>
+              <a:rPr lang="en-US" sz="2800" dirty="0" smtClean="0"/>
+              <a:t>2) Require a </a:t>
+            </a:r>
+            <a:r>
+              <a:rPr lang="en-US" sz="2800" dirty="0" smtClean="0"/>
+              <a:t>3rd </a:t>
+            </a:r>
+            <a:r>
+              <a:rPr lang="en-US" sz="2800" dirty="0" smtClean="0"/>
+              <a:t>party library/convention</a:t>
+            </a:r>
           </a:p>
         </p:txBody>
       </p:sp>
     </p:spTree>
     <p:extLst>
       <p:ext uri="{BB962C8B-B14F-4D97-AF65-F5344CB8AC3E}">
-        <p14:creationId xmlns:p14="http://schemas.microsoft.com/office/powerpoint/2010/main" val="2199453528"/>
+        <p14:creationId xmlns:p14="http://schemas.microsoft.com/office/powerpoint/2010/main" val="1237738168"/>
       </p:ext>
     </p:extLst>
   </p:cSld>
@@ -4164,8 +4204,8 @@
         </p:nvSpPr>
         <p:spPr>
           <a:xfrm>
-            <a:off x="76200" y="1714500"/>
-            <a:ext cx="8991600" cy="2514600"/>
+            <a:off x="1066800" y="1485900"/>
+            <a:ext cx="7620000" cy="2514600"/>
           </a:xfrm>
           <a:prstGeom prst="rect">
             <a:avLst/>
@@ -4192,29 +4232,66 @@
             </a:lvl1pPr>
           </a:lstStyle>
           <a:p>
-            <a:r>
-              <a:rPr lang="en-US" dirty="0" smtClean="0"/>
-              <a:t>prototype.js</a:t>
-            </a:r>
-          </a:p>
-          <a:p>
-            <a:endParaRPr lang="en-US" sz="2800" dirty="0">
-              <a:solidFill>
-                <a:srgbClr val="0070C0"/>
-              </a:solidFill>
-              <a:latin typeface="Monaco" pitchFamily="49" charset="0"/>
-            </a:endParaRPr>
-          </a:p>
-          <a:p>
-            <a:r>
-              <a:rPr lang="en-US" sz="2800" dirty="0" smtClean="0">
-                <a:hlinkClick r:id="rId2"/>
+            <a:pPr algn="l"/>
+            <a:r>
+              <a:rPr lang="en-US" sz="4800" dirty="0" smtClean="0">
+                <a:solidFill>
+                  <a:srgbClr val="FFC000"/>
+                </a:solidFill>
               </a:rPr>
-              <a:t>http://prototypejs.org</a:t>
-            </a:r>
+              <a:t>Consider:</a:t>
+            </a:r>
+          </a:p>
+          <a:p>
+            <a:pPr algn="l"/>
+            <a:r>
+              <a:rPr lang="en-US" sz="3600" dirty="0" smtClean="0"/>
+              <a:t/>
+            </a:r>
+            <a:br>
+              <a:rPr lang="en-US" sz="3600" dirty="0" smtClean="0"/>
+            </a:br>
+            <a:r>
+              <a:rPr lang="en-US" sz="2800" dirty="0" smtClean="0"/>
+              <a:t>1) Do you care about private state?</a:t>
+            </a:r>
+            <a:br>
+              <a:rPr lang="en-US" sz="2800" dirty="0" smtClean="0"/>
+            </a:br>
             <a:endParaRPr lang="en-US" sz="2800" dirty="0" smtClean="0"/>
           </a:p>
           <a:p>
+            <a:pPr algn="l"/>
+            <a:r>
+              <a:rPr lang="en-US" sz="2800" dirty="0" smtClean="0"/>
+              <a:t>2) Do you care about efficiency</a:t>
+            </a:r>
+            <a:r>
+              <a:rPr lang="en-US" sz="2800" dirty="0" smtClean="0"/>
+              <a:t>?</a:t>
+            </a:r>
+          </a:p>
+          <a:p>
+            <a:pPr algn="l"/>
+            <a:endParaRPr lang="en-US" sz="2800" dirty="0"/>
+          </a:p>
+          <a:p>
+            <a:pPr algn="l"/>
+            <a:r>
+              <a:rPr lang="en-US" sz="2800" dirty="0" smtClean="0"/>
+              <a:t>3) Is  </a:t>
+            </a:r>
+            <a:r>
+              <a:rPr lang="en-US" sz="2800" dirty="0" err="1" smtClean="0">
+                <a:latin typeface="Courier New" pitchFamily="49" charset="0"/>
+                <a:cs typeface="Courier New" pitchFamily="49" charset="0"/>
+              </a:rPr>
+              <a:t>instanceof</a:t>
+            </a:r>
+            <a:r>
+              <a:rPr lang="en-US" sz="2800" dirty="0" smtClean="0"/>
+              <a:t>  important?</a:t>
+            </a:r>
             <a:endParaRPr lang="en-US" sz="2800" dirty="0" smtClean="0"/>
           </a:p>
         </p:txBody>
@@ -4222,7 +4299,7 @@
     </p:spTree>
     <p:extLst>
       <p:ext uri="{BB962C8B-B14F-4D97-AF65-F5344CB8AC3E}">
-        <p14:creationId xmlns:p14="http://schemas.microsoft.com/office/powerpoint/2010/main" val="3747742213"/>
+        <p14:creationId xmlns:p14="http://schemas.microsoft.com/office/powerpoint/2010/main" val="3283941671"/>
       </p:ext>
     </p:extLst>
   </p:cSld>
@@ -4258,94 +4335,372 @@
       </p:grpSpPr>
       <p:sp>
         <p:nvSpPr>
-          <p:cNvPr id="4" name="Title 5"/>
-          <p:cNvSpPr txBox="1">
-            <a:spLocks/>
-          </p:cNvSpPr>
-          <p:nvPr/>
+          <p:cNvPr id="4" name="Title 3"/>
+          <p:cNvSpPr>
+            <a:spLocks noGrp="1"/>
+          </p:cNvSpPr>
+          <p:nvPr>
+            <p:ph type="ctrTitle"/>
+          </p:nvPr>
         </p:nvSpPr>
         <p:spPr>
           <a:xfrm>
-            <a:off x="1066800" y="1485900"/>
-            <a:ext cx="7620000" cy="2514600"/>
+            <a:off x="762000" y="266700"/>
+            <a:ext cx="7772400" cy="5029200"/>
           </a:xfrm>
-          <a:prstGeom prst="rect">
-            <a:avLst/>
-          </a:prstGeom>
         </p:spPr>
         <p:txBody>
-          <a:bodyPr anchor="ctr" anchorCtr="0">
+          <a:bodyPr anchor="t" anchorCtr="0">
             <a:noAutofit/>
           </a:bodyPr>
-          <a:lstStyle>
-            <a:lvl1pPr algn="ctr" defTabSz="914400" rtl="0" eaLnBrk="1" latinLnBrk="0" hangingPunct="1">
-              <a:spcBef>
-                <a:spcPct val="0"/>
-              </a:spcBef>
-              <a:buNone/>
-              <a:defRPr sz="4400" kern="1200">
-                <a:solidFill>
-                  <a:schemeClr val="tx1"/>
-                </a:solidFill>
-                <a:latin typeface="+mj-lt"/>
-                <a:ea typeface="+mj-ea"/>
-                <a:cs typeface="+mj-cs"/>
-              </a:defRPr>
-            </a:lvl1pPr>
-          </a:lstStyle>
+          <a:lstStyle/>
           <a:p>
             <a:pPr algn="l"/>
             <a:r>
-              <a:rPr lang="en-US" sz="4800" dirty="0" smtClean="0">
-                <a:solidFill>
-                  <a:srgbClr val="FFC000"/>
-                </a:solidFill>
+              <a:rPr lang="en-US" sz="2800" dirty="0" smtClean="0"/>
+              <a:t>References</a:t>
+            </a:r>
+            <a:r>
+              <a:rPr lang="en-US" sz="1600" dirty="0"/>
+              <a:t/>
+            </a:r>
+            <a:br>
+              <a:rPr lang="en-US" sz="1600" dirty="0"/>
+            </a:br>
+            <a:r>
+              <a:rPr lang="en-US" sz="1600" dirty="0" smtClean="0"/>
+              <a:t/>
+            </a:r>
+            <a:br>
+              <a:rPr lang="en-US" sz="1600" dirty="0" smtClean="0"/>
+            </a:br>
+            <a:r>
+              <a:rPr lang="en-US" sz="1400" dirty="0" smtClean="0"/>
+              <a:t>Douglas </a:t>
+            </a:r>
+            <a:r>
+              <a:rPr lang="en-US" sz="1400" dirty="0" err="1" smtClean="0"/>
+              <a:t>Crockford</a:t>
+            </a:r>
+            <a:r>
+              <a:rPr lang="en-US" sz="1400" dirty="0" smtClean="0"/>
+              <a:t> </a:t>
+            </a:r>
+            <a:br>
+              <a:rPr lang="en-US" sz="1400" dirty="0" smtClean="0"/>
+            </a:br>
+            <a:r>
+              <a:rPr lang="en-US" sz="1400" dirty="0" smtClean="0">
+                <a:hlinkClick r:id="rId2"/>
               </a:rPr>
-              <a:t>Recommendations:</a:t>
-            </a:r>
-          </a:p>
-          <a:p>
-            <a:pPr algn="l"/>
-            <a:r>
-              <a:rPr lang="en-US" sz="3600" dirty="0" smtClean="0"/>
+              <a:t>http</a:t>
+            </a:r>
+            <a:r>
+              <a:rPr lang="en-US" sz="1400" dirty="0">
+                <a:hlinkClick r:id="rId2"/>
+              </a:rPr>
+              <a:t>://</a:t>
+            </a:r>
+            <a:r>
+              <a:rPr lang="en-US" sz="1400" dirty="0" smtClean="0">
+                <a:hlinkClick r:id="rId2"/>
+              </a:rPr>
+              <a:t>www.amazon.com/JavaScript-Good-Parts-Douglas-Crockford/dp/0596517742</a:t>
+            </a:r>
+            <a:r>
+              <a:rPr lang="en-US" sz="1400" dirty="0" smtClean="0"/>
               <a:t/>
             </a:r>
             <a:br>
-              <a:rPr lang="en-US" sz="3600" dirty="0" smtClean="0"/>
+              <a:rPr lang="en-US" sz="1400" dirty="0" smtClean="0"/>
             </a:br>
             <a:r>
-              <a:rPr lang="en-US" sz="2800" dirty="0" smtClean="0"/>
-              <a:t>1) Expose extensibility through an API</a:t>
-            </a:r>
-          </a:p>
-          <a:p>
-            <a:pPr algn="l"/>
-            <a:endParaRPr lang="en-US" sz="2800" dirty="0"/>
-          </a:p>
-          <a:p>
-            <a:pPr algn="l"/>
-            <a:r>
-              <a:rPr lang="en-US" sz="2800" dirty="0" smtClean="0"/>
-              <a:t>or</a:t>
-            </a:r>
-          </a:p>
-          <a:p>
-            <a:pPr algn="l"/>
-            <a:endParaRPr lang="en-US" sz="2800" dirty="0" smtClean="0"/>
-          </a:p>
-          <a:p>
-            <a:pPr algn="l"/>
-            <a:r>
-              <a:rPr lang="en-US" sz="2800" dirty="0" smtClean="0"/>
-              <a:t>2) Require a 3rd party library/convention</a:t>
-            </a:r>
+              <a:rPr lang="en-US" sz="1400" dirty="0">
+                <a:hlinkClick r:id="rId3"/>
+              </a:rPr>
+              <a:t>http://</a:t>
+            </a:r>
+            <a:r>
+              <a:rPr lang="en-US" sz="1400" dirty="0" smtClean="0">
+                <a:hlinkClick r:id="rId3"/>
+              </a:rPr>
+              <a:t>www.crockford.com/javascript/inheritance.html</a:t>
+            </a:r>
+            <a:r>
+              <a:rPr lang="en-US" sz="1400" dirty="0" smtClean="0"/>
+              <a:t/>
+            </a:r>
+            <a:br>
+              <a:rPr lang="en-US" sz="1400" dirty="0" smtClean="0"/>
+            </a:br>
+            <a:r>
+              <a:rPr lang="en-US" sz="1400" dirty="0">
+                <a:hlinkClick r:id="rId4"/>
+              </a:rPr>
+              <a:t>http://javascript.crockford.com/prototypal.html</a:t>
+            </a:r>
+            <a:r>
+              <a:rPr lang="en-US" sz="1400" dirty="0" smtClean="0"/>
+              <a:t/>
+            </a:r>
+            <a:br>
+              <a:rPr lang="en-US" sz="1400" dirty="0" smtClean="0"/>
+            </a:br>
+            <a:r>
+              <a:rPr lang="en-US" sz="1400" dirty="0" smtClean="0"/>
+              <a:t/>
+            </a:r>
+            <a:br>
+              <a:rPr lang="en-US" sz="1400" dirty="0" smtClean="0"/>
+            </a:br>
+            <a:r>
+              <a:rPr lang="en-US" sz="1400" dirty="0"/>
+              <a:t>Jake </a:t>
+            </a:r>
+            <a:r>
+              <a:rPr lang="en-US" sz="1400" dirty="0" err="1"/>
+              <a:t>Verbaten</a:t>
+            </a:r>
+            <a:r>
+              <a:rPr lang="en-US" sz="1400" dirty="0"/>
+              <a:t/>
+            </a:r>
+            <a:br>
+              <a:rPr lang="en-US" sz="1400" dirty="0"/>
+            </a:br>
+            <a:r>
+              <a:rPr lang="en-US" sz="1400" dirty="0">
+                <a:hlinkClick r:id="rId5"/>
+              </a:rPr>
+              <a:t>http://raynos.org/blog</a:t>
+            </a:r>
+            <a:r>
+              <a:rPr lang="en-US" sz="1400" dirty="0"/>
+              <a:t/>
+            </a:r>
+            <a:br>
+              <a:rPr lang="en-US" sz="1400" dirty="0"/>
+            </a:br>
+            <a:r>
+              <a:rPr lang="en-US" sz="1400" dirty="0">
+                <a:hlinkClick r:id="rId6"/>
+              </a:rPr>
+              <a:t>https://github.com/Raynos/pd</a:t>
+            </a:r>
+            <a:r>
+              <a:rPr lang="en-US" sz="1400" dirty="0"/>
+              <a:t/>
+            </a:r>
+            <a:br>
+              <a:rPr lang="en-US" sz="1400" dirty="0"/>
+            </a:br>
+            <a:r>
+              <a:rPr lang="en-US" sz="1400" dirty="0" smtClean="0"/>
+              <a:t/>
+            </a:r>
+            <a:br>
+              <a:rPr lang="en-US" sz="1400" dirty="0" smtClean="0"/>
+            </a:br>
+            <a:r>
+              <a:rPr lang="en-US" sz="1400" dirty="0" smtClean="0"/>
+              <a:t>John </a:t>
+            </a:r>
+            <a:r>
+              <a:rPr lang="en-US" sz="1400" dirty="0" err="1" smtClean="0"/>
+              <a:t>Resig</a:t>
+            </a:r>
+            <a:r>
+              <a:rPr lang="en-US" sz="1400" dirty="0" smtClean="0"/>
+              <a:t/>
+            </a:r>
+            <a:br>
+              <a:rPr lang="en-US" sz="1400" dirty="0" smtClean="0"/>
+            </a:br>
+            <a:r>
+              <a:rPr lang="en-US" sz="1400" dirty="0" smtClean="0">
+                <a:hlinkClick r:id="rId7"/>
+              </a:rPr>
+              <a:t>http</a:t>
+            </a:r>
+            <a:r>
+              <a:rPr lang="en-US" sz="1400" dirty="0">
+                <a:hlinkClick r:id="rId7"/>
+              </a:rPr>
+              <a:t>://ejohn.org/blog/simple-javascript-inheritance</a:t>
+            </a:r>
+            <a:r>
+              <a:rPr lang="en-US" sz="1400" dirty="0" smtClean="0">
+                <a:hlinkClick r:id="rId7"/>
+              </a:rPr>
+              <a:t>/</a:t>
+            </a:r>
+            <a:r>
+              <a:rPr lang="en-US" sz="1400" dirty="0" smtClean="0"/>
+              <a:t/>
+            </a:r>
+            <a:br>
+              <a:rPr lang="en-US" sz="1400" dirty="0" smtClean="0"/>
+            </a:br>
+            <a:r>
+              <a:rPr lang="en-US" sz="1400" dirty="0"/>
+              <a:t/>
+            </a:r>
+            <a:br>
+              <a:rPr lang="en-US" sz="1400" dirty="0"/>
+            </a:br>
+            <a:r>
+              <a:rPr lang="en-US" sz="1400" dirty="0" smtClean="0"/>
+              <a:t>3</a:t>
+            </a:r>
+            <a:r>
+              <a:rPr lang="en-US" sz="1400" baseline="30000" dirty="0" smtClean="0"/>
+              <a:t>rd</a:t>
+            </a:r>
+            <a:r>
+              <a:rPr lang="en-US" sz="1400" dirty="0"/>
+              <a:t> party libs</a:t>
+            </a:r>
+            <a:br>
+              <a:rPr lang="en-US" sz="1400" dirty="0"/>
+            </a:br>
+            <a:r>
+              <a:rPr lang="en-US" sz="1400" dirty="0">
+                <a:hlinkClick r:id="rId8"/>
+              </a:rPr>
+              <a:t>http://</a:t>
+            </a:r>
+            <a:r>
+              <a:rPr lang="en-US" sz="1400" dirty="0" smtClean="0">
+                <a:hlinkClick r:id="rId8"/>
+              </a:rPr>
+              <a:t>jsclass.jcoglan.com</a:t>
+            </a:r>
+            <a:r>
+              <a:rPr lang="en-US" sz="1400" dirty="0"/>
+              <a:t/>
+            </a:r>
+            <a:br>
+              <a:rPr lang="en-US" sz="1400" dirty="0"/>
+            </a:br>
+            <a:r>
+              <a:rPr lang="en-US" sz="1400" dirty="0">
+                <a:hlinkClick r:id="rId9"/>
+              </a:rPr>
+              <a:t>http://</a:t>
+            </a:r>
+            <a:r>
+              <a:rPr lang="en-US" sz="1400" dirty="0" smtClean="0">
+                <a:hlinkClick r:id="rId9"/>
+              </a:rPr>
+              <a:t>code.google.com/p/joose-js</a:t>
+            </a:r>
+            <a:r>
+              <a:rPr lang="en-US" sz="1400" dirty="0"/>
+              <a:t/>
+            </a:r>
+            <a:br>
+              <a:rPr lang="en-US" sz="1400" dirty="0"/>
+            </a:br>
+            <a:r>
+              <a:rPr lang="en-US" sz="1400" dirty="0">
+                <a:hlinkClick r:id="rId10"/>
+              </a:rPr>
+              <a:t>http://</a:t>
+            </a:r>
+            <a:r>
+              <a:rPr lang="en-US" sz="1400" dirty="0" smtClean="0">
+                <a:hlinkClick r:id="rId10"/>
+              </a:rPr>
+              <a:t>code.google.com/p/base2</a:t>
+            </a:r>
+            <a:r>
+              <a:rPr lang="en-US" sz="1400" dirty="0"/>
+              <a:t/>
+            </a:r>
+            <a:br>
+              <a:rPr lang="en-US" sz="1400" dirty="0"/>
+            </a:br>
+            <a:r>
+              <a:rPr lang="en-US" sz="1400" dirty="0">
+                <a:hlinkClick r:id="rId11"/>
+              </a:rPr>
+              <a:t>http://</a:t>
+            </a:r>
+            <a:r>
+              <a:rPr lang="en-US" sz="1400" dirty="0" smtClean="0">
+                <a:hlinkClick r:id="rId11"/>
+              </a:rPr>
+              <a:t>prototypejs.org/learn/class-inheritance</a:t>
+            </a:r>
+            <a:r>
+              <a:rPr lang="en-US" sz="1400" dirty="0" smtClean="0"/>
+              <a:t/>
+            </a:r>
+            <a:br>
+              <a:rPr lang="en-US" sz="1400" dirty="0" smtClean="0"/>
+            </a:br>
+            <a:r>
+              <a:rPr lang="en-US" sz="1400" dirty="0"/>
+              <a:t/>
+            </a:r>
+            <a:br>
+              <a:rPr lang="en-US" sz="1400" dirty="0"/>
+            </a:br>
+            <a:r>
+              <a:rPr lang="en-US" sz="1400" dirty="0"/>
+              <a:t>Other</a:t>
+            </a:r>
+            <a:br>
+              <a:rPr lang="en-US" sz="1400" dirty="0"/>
+            </a:br>
+            <a:r>
+              <a:rPr lang="en-US" sz="1400" dirty="0">
+                <a:hlinkClick r:id="rId12"/>
+              </a:rPr>
+              <a:t>http://</a:t>
+            </a:r>
+            <a:r>
+              <a:rPr lang="en-US" sz="1400" dirty="0" smtClean="0">
+                <a:hlinkClick r:id="rId12"/>
+              </a:rPr>
+              <a:t>www.adequatelygood.com/2010/3/JavaScript-Module-Pattern-In-Depth</a:t>
+            </a:r>
+            <a:r>
+              <a:rPr lang="en-US" sz="1400" dirty="0" smtClean="0"/>
+              <a:t/>
+            </a:r>
+            <a:br>
+              <a:rPr lang="en-US" sz="1400" dirty="0" smtClean="0"/>
+            </a:br>
+            <a:r>
+              <a:rPr lang="en-US" sz="1400" dirty="0" smtClean="0"/>
+              <a:t/>
+            </a:r>
+            <a:br>
+              <a:rPr lang="en-US" sz="1400" dirty="0" smtClean="0"/>
+            </a:br>
+            <a:r>
+              <a:rPr lang="en-US" sz="1400" dirty="0" smtClean="0"/>
+              <a:t/>
+            </a:r>
+            <a:br>
+              <a:rPr lang="en-US" sz="1400" dirty="0" smtClean="0"/>
+            </a:br>
+            <a:r>
+              <a:rPr lang="en-US" sz="1400" dirty="0" smtClean="0"/>
+              <a:t/>
+            </a:r>
+            <a:br>
+              <a:rPr lang="en-US" sz="1400" dirty="0" smtClean="0"/>
+            </a:br>
+            <a:endParaRPr lang="en-US" sz="1400" i="1" dirty="0"/>
           </a:p>
         </p:txBody>
       </p:sp>
     </p:spTree>
     <p:extLst>
       <p:ext uri="{BB962C8B-B14F-4D97-AF65-F5344CB8AC3E}">
-        <p14:creationId xmlns:p14="http://schemas.microsoft.com/office/powerpoint/2010/main" val="1237738168"/>
+        <p14:creationId xmlns:p14="http://schemas.microsoft.com/office/powerpoint/2010/main" val="3874270606"/>
       </p:ext>
     </p:extLst>
   </p:cSld>
@@ -4513,8 +4868,8 @@
         </p:nvSpPr>
         <p:spPr>
           <a:xfrm>
-            <a:off x="1066800" y="1485900"/>
-            <a:ext cx="7620000" cy="2514600"/>
+            <a:off x="76200" y="1485900"/>
+            <a:ext cx="8991600" cy="2514600"/>
           </a:xfrm>
           <a:prstGeom prst="rect">
             <a:avLst/>
@@ -4541,536 +4896,39 @@
             </a:lvl1pPr>
           </a:lstStyle>
           <a:p>
-            <a:pPr algn="l"/>
-            <a:r>
-              <a:rPr lang="en-US" sz="4800" dirty="0" smtClean="0">
+            <a:r>
+              <a:rPr lang="en-US" sz="3200" dirty="0" smtClean="0">
                 <a:solidFill>
                   <a:srgbClr val="FFC000"/>
                 </a:solidFill>
               </a:rPr>
-              <a:t>Consider:</a:t>
-            </a:r>
-          </a:p>
-          <a:p>
-            <a:pPr algn="l"/>
-            <a:r>
-              <a:rPr lang="en-US" sz="3600" dirty="0" smtClean="0"/>
-              <a:t/>
-            </a:r>
-            <a:br>
-              <a:rPr lang="en-US" sz="3600" dirty="0" smtClean="0"/>
-            </a:br>
-            <a:r>
-              <a:rPr lang="en-US" sz="2800" dirty="0" smtClean="0"/>
-              <a:t>1) Do you care about private state?</a:t>
-            </a:r>
-            <a:br>
-              <a:rPr lang="en-US" sz="2800" dirty="0" smtClean="0"/>
-            </a:br>
-            <a:endParaRPr lang="en-US" sz="2800" dirty="0" smtClean="0"/>
-          </a:p>
-          <a:p>
-            <a:pPr algn="l"/>
-            <a:r>
-              <a:rPr lang="en-US" sz="2800" dirty="0" smtClean="0"/>
-              <a:t>2) Do you care about efficiency?</a:t>
-            </a:r>
-          </a:p>
-        </p:txBody>
-      </p:sp>
-    </p:spTree>
-    <p:extLst>
-      <p:ext uri="{BB962C8B-B14F-4D97-AF65-F5344CB8AC3E}">
-        <p14:creationId xmlns:p14="http://schemas.microsoft.com/office/powerpoint/2010/main" val="3283941671"/>
-      </p:ext>
-    </p:extLst>
-  </p:cSld>
-  <p:clrMapOvr>
-    <a:masterClrMapping/>
-  </p:clrMapOvr>
-  <p:timing>
-    <p:tnLst>
-      <p:par>
-        <p:cTn id="1" dur="indefinite" restart="never" nodeType="tmRoot"/>
-      </p:par>
-    </p:tnLst>
-  </p:timing>
-</p:sld>
-</file>
-
-<file path=ppt/slides/slide21.xml><?xml version="1.0" encoding="utf-8"?>
-<p:sld xmlns:a="http://schemas.openxmlformats.org/drawingml/2006/main" xmlns:r="http://schemas.openxmlformats.org/officeDocument/2006/relationships" xmlns:p="http://schemas.openxmlformats.org/presentationml/2006/main">
-  <p:cSld>
-    <p:spTree>
-      <p:nvGrpSpPr>
-        <p:cNvPr id="1" name=""/>
-        <p:cNvGrpSpPr/>
-        <p:nvPr/>
-      </p:nvGrpSpPr>
-      <p:grpSpPr>
-        <a:xfrm>
-          <a:off x="0" y="0"/>
-          <a:ext cx="0" cy="0"/>
-          <a:chOff x="0" y="0"/>
-          <a:chExt cx="0" cy="0"/>
-        </a:xfrm>
-      </p:grpSpPr>
-      <p:sp>
-        <p:nvSpPr>
-          <p:cNvPr id="4" name="Title 3"/>
-          <p:cNvSpPr>
-            <a:spLocks noGrp="1"/>
-          </p:cNvSpPr>
-          <p:nvPr>
-            <p:ph type="ctrTitle"/>
-          </p:nvPr>
-        </p:nvSpPr>
-        <p:spPr>
-          <a:xfrm>
-            <a:off x="762000" y="266700"/>
-            <a:ext cx="7772400" cy="5029200"/>
-          </a:xfrm>
-        </p:spPr>
-        <p:txBody>
-          <a:bodyPr anchor="t" anchorCtr="0">
-            <a:noAutofit/>
-          </a:bodyPr>
-          <a:lstStyle/>
-          <a:p>
-            <a:pPr algn="l"/>
-            <a:r>
-              <a:rPr lang="en-US" sz="2800" dirty="0" smtClean="0"/>
-              <a:t>References</a:t>
-            </a:r>
-            <a:r>
-              <a:rPr lang="en-US" sz="1600" dirty="0"/>
-              <a:t/>
-            </a:r>
-            <a:br>
-              <a:rPr lang="en-US" sz="1600" dirty="0"/>
-            </a:br>
-            <a:r>
-              <a:rPr lang="en-US" sz="1600" dirty="0" smtClean="0"/>
-              <a:t/>
-            </a:r>
-            <a:br>
-              <a:rPr lang="en-US" sz="1600" dirty="0" smtClean="0"/>
-            </a:br>
-            <a:r>
-              <a:rPr lang="en-US" sz="1400" dirty="0" smtClean="0"/>
-              <a:t>Douglas </a:t>
-            </a:r>
-            <a:r>
-              <a:rPr lang="en-US" sz="1400" dirty="0" err="1" smtClean="0"/>
-              <a:t>Crockford</a:t>
-            </a:r>
-            <a:r>
-              <a:rPr lang="en-US" sz="1400" dirty="0" smtClean="0"/>
-              <a:t> </a:t>
-            </a:r>
-            <a:br>
-              <a:rPr lang="en-US" sz="1400" dirty="0" smtClean="0"/>
-            </a:br>
-            <a:r>
-              <a:rPr lang="en-US" sz="1400" dirty="0" smtClean="0">
-                <a:hlinkClick r:id="rId2"/>
+              <a:t>github.com/</a:t>
+            </a:r>
+            <a:r>
+              <a:rPr lang="en-US" sz="3200" dirty="0" err="1" smtClean="0">
+                <a:solidFill>
+                  <a:srgbClr val="FFC000"/>
+                </a:solidFill>
               </a:rPr>
-              <a:t>http</a:t>
-            </a:r>
-            <a:r>
-              <a:rPr lang="en-US" sz="1400" dirty="0">
-                <a:hlinkClick r:id="rId2"/>
-              </a:rPr>
-              <a:t>://</a:t>
-            </a:r>
-            <a:r>
-              <a:rPr lang="en-US" sz="1400" dirty="0" smtClean="0">
-                <a:hlinkClick r:id="rId2"/>
-              </a:rPr>
-              <a:t>www.amazon.com/JavaScript-Good-Parts-Douglas-Crockford/dp/0596517742</a:t>
-            </a:r>
-            <a:r>
-              <a:rPr lang="en-US" sz="1400" dirty="0" smtClean="0"/>
-              <a:t/>
-            </a:r>
-            <a:br>
-              <a:rPr lang="en-US" sz="1400" dirty="0" smtClean="0"/>
-            </a:br>
-            <a:r>
-              <a:rPr lang="en-US" sz="1400" dirty="0">
-                <a:hlinkClick r:id="rId3"/>
-              </a:rPr>
-              <a:t>http://</a:t>
-            </a:r>
-            <a:r>
-              <a:rPr lang="en-US" sz="1400" dirty="0" smtClean="0">
-                <a:hlinkClick r:id="rId3"/>
-              </a:rPr>
-              <a:t>www.crockford.com/javascript/inheritance.html</a:t>
-            </a:r>
-            <a:r>
-              <a:rPr lang="en-US" sz="1400" dirty="0" smtClean="0"/>
-              <a:t/>
-            </a:r>
-            <a:br>
-              <a:rPr lang="en-US" sz="1400" dirty="0" smtClean="0"/>
-            </a:br>
-            <a:r>
-              <a:rPr lang="en-US" sz="1400" dirty="0">
-                <a:hlinkClick r:id="rId4"/>
-              </a:rPr>
-              <a:t>http://javascript.crockford.com/prototypal.html</a:t>
-            </a:r>
-            <a:r>
-              <a:rPr lang="en-US" sz="1400" dirty="0" smtClean="0"/>
-              <a:t/>
-            </a:r>
-            <a:br>
-              <a:rPr lang="en-US" sz="1400" dirty="0" smtClean="0"/>
-            </a:br>
-            <a:r>
-              <a:rPr lang="en-US" sz="1400" dirty="0" smtClean="0"/>
-              <a:t/>
-            </a:r>
-            <a:br>
-              <a:rPr lang="en-US" sz="1400" dirty="0" smtClean="0"/>
-            </a:br>
-            <a:r>
-              <a:rPr lang="en-US" sz="1400" dirty="0"/>
-              <a:t>Jake </a:t>
-            </a:r>
-            <a:r>
-              <a:rPr lang="en-US" sz="1400" dirty="0" err="1"/>
-              <a:t>Verbaten</a:t>
-            </a:r>
-            <a:r>
-              <a:rPr lang="en-US" sz="1400" dirty="0"/>
-              <a:t/>
-            </a:r>
-            <a:br>
-              <a:rPr lang="en-US" sz="1400" dirty="0"/>
-            </a:br>
-            <a:r>
-              <a:rPr lang="en-US" sz="1400" dirty="0">
-                <a:hlinkClick r:id="rId5"/>
-              </a:rPr>
-              <a:t>http://raynos.org/blog</a:t>
-            </a:r>
-            <a:r>
-              <a:rPr lang="en-US" sz="1400" dirty="0"/>
-              <a:t/>
-            </a:r>
-            <a:br>
-              <a:rPr lang="en-US" sz="1400" dirty="0"/>
-            </a:br>
-            <a:r>
-              <a:rPr lang="en-US" sz="1400" dirty="0">
-                <a:hlinkClick r:id="rId6"/>
-              </a:rPr>
-              <a:t>https://github.com/Raynos/pd</a:t>
-            </a:r>
-            <a:r>
-              <a:rPr lang="en-US" sz="1400" dirty="0"/>
-              <a:t/>
-            </a:r>
-            <a:br>
-              <a:rPr lang="en-US" sz="1400" dirty="0"/>
-            </a:br>
-            <a:r>
-              <a:rPr lang="en-US" sz="1400" dirty="0" smtClean="0"/>
-              <a:t/>
-            </a:r>
-            <a:br>
-              <a:rPr lang="en-US" sz="1400" dirty="0" smtClean="0"/>
-            </a:br>
-            <a:r>
-              <a:rPr lang="en-US" sz="1400" dirty="0" smtClean="0"/>
-              <a:t>John </a:t>
-            </a:r>
-            <a:r>
-              <a:rPr lang="en-US" sz="1400" dirty="0" err="1" smtClean="0"/>
-              <a:t>Resig</a:t>
-            </a:r>
-            <a:r>
-              <a:rPr lang="en-US" sz="1400" dirty="0" smtClean="0"/>
-              <a:t/>
-            </a:r>
-            <a:br>
-              <a:rPr lang="en-US" sz="1400" dirty="0" smtClean="0"/>
-            </a:br>
-            <a:r>
-              <a:rPr lang="en-US" sz="1400" dirty="0" smtClean="0">
-                <a:hlinkClick r:id="rId7"/>
-              </a:rPr>
-              <a:t>http</a:t>
-            </a:r>
-            <a:r>
-              <a:rPr lang="en-US" sz="1400" dirty="0">
-                <a:hlinkClick r:id="rId7"/>
-              </a:rPr>
-              <a:t>://ejohn.org/blog/simple-javascript-inheritance</a:t>
-            </a:r>
-            <a:r>
-              <a:rPr lang="en-US" sz="1400" dirty="0" smtClean="0">
-                <a:hlinkClick r:id="rId7"/>
+              <a:t>kindohm</a:t>
+            </a:r>
+            <a:r>
+              <a:rPr lang="en-US" sz="3200" dirty="0" smtClean="0">
+                <a:solidFill>
+                  <a:srgbClr val="FFC000"/>
+                </a:solidFill>
               </a:rPr>
               <a:t>/</a:t>
             </a:r>
             <a:r>
-              <a:rPr lang="en-US" sz="1400" dirty="0" smtClean="0"/>
-              <a:t/>
-            </a:r>
-            <a:br>
-              <a:rPr lang="en-US" sz="1400" dirty="0" smtClean="0"/>
-            </a:br>
-            <a:r>
-              <a:rPr lang="en-US" sz="1400" dirty="0"/>
-              <a:t/>
-            </a:r>
-            <a:br>
-              <a:rPr lang="en-US" sz="1400" dirty="0"/>
-            </a:br>
-            <a:r>
-              <a:rPr lang="en-US" sz="1400" dirty="0" smtClean="0"/>
-              <a:t>3</a:t>
-            </a:r>
-            <a:r>
-              <a:rPr lang="en-US" sz="1400" baseline="30000" dirty="0" smtClean="0"/>
-              <a:t>rd</a:t>
-            </a:r>
-            <a:r>
-              <a:rPr lang="en-US" sz="1400" dirty="0"/>
-              <a:t> party libs</a:t>
-            </a:r>
-            <a:br>
-              <a:rPr lang="en-US" sz="1400" dirty="0"/>
-            </a:br>
-            <a:r>
-              <a:rPr lang="en-US" sz="1400" dirty="0">
-                <a:hlinkClick r:id="rId8"/>
+              <a:rPr lang="en-US" sz="3200" dirty="0" err="1" smtClean="0">
+                <a:solidFill>
+                  <a:srgbClr val="FFC000"/>
+                </a:solidFill>
               </a:rPr>
-              <a:t>http://</a:t>
-            </a:r>
-            <a:r>
-              <a:rPr lang="en-US" sz="1400" dirty="0" smtClean="0">
-                <a:hlinkClick r:id="rId8"/>
-              </a:rPr>
-              <a:t>jsclass.jcoglan.com</a:t>
-            </a:r>
-            <a:r>
-              <a:rPr lang="en-US" sz="1400" dirty="0"/>
-              <a:t/>
-            </a:r>
-            <a:br>
-              <a:rPr lang="en-US" sz="1400" dirty="0"/>
-            </a:br>
-            <a:r>
-              <a:rPr lang="en-US" sz="1400" dirty="0">
-                <a:hlinkClick r:id="rId9"/>
-              </a:rPr>
-              <a:t>http://</a:t>
-            </a:r>
-            <a:r>
-              <a:rPr lang="en-US" sz="1400" dirty="0" smtClean="0">
-                <a:hlinkClick r:id="rId9"/>
-              </a:rPr>
-              <a:t>code.google.com/p/joose-js</a:t>
-            </a:r>
-            <a:r>
-              <a:rPr lang="en-US" sz="1400" dirty="0"/>
-              <a:t/>
-            </a:r>
-            <a:br>
-              <a:rPr lang="en-US" sz="1400" dirty="0"/>
-            </a:br>
-            <a:r>
-              <a:rPr lang="en-US" sz="1400" dirty="0">
-                <a:hlinkClick r:id="rId10"/>
-              </a:rPr>
-              <a:t>http://</a:t>
-            </a:r>
-            <a:r>
-              <a:rPr lang="en-US" sz="1400" dirty="0" smtClean="0">
-                <a:hlinkClick r:id="rId10"/>
-              </a:rPr>
-              <a:t>code.google.com/p/base2</a:t>
-            </a:r>
-            <a:r>
-              <a:rPr lang="en-US" sz="1400" dirty="0"/>
-              <a:t/>
-            </a:r>
-            <a:br>
-              <a:rPr lang="en-US" sz="1400" dirty="0"/>
-            </a:br>
-            <a:r>
-              <a:rPr lang="en-US" sz="1400" dirty="0">
-                <a:hlinkClick r:id="rId11"/>
-              </a:rPr>
-              <a:t>http://</a:t>
-            </a:r>
-            <a:r>
-              <a:rPr lang="en-US" sz="1400" dirty="0" smtClean="0">
-                <a:hlinkClick r:id="rId11"/>
-              </a:rPr>
-              <a:t>prototypejs.org/learn/class-inheritance</a:t>
-            </a:r>
-            <a:r>
-              <a:rPr lang="en-US" sz="1400" dirty="0" smtClean="0"/>
-              <a:t/>
-            </a:r>
-            <a:br>
-              <a:rPr lang="en-US" sz="1400" dirty="0" smtClean="0"/>
-            </a:br>
-            <a:r>
-              <a:rPr lang="en-US" sz="1400" dirty="0"/>
-              <a:t/>
-            </a:r>
-            <a:br>
-              <a:rPr lang="en-US" sz="1400" dirty="0"/>
-            </a:br>
-            <a:r>
-              <a:rPr lang="en-US" sz="1400" dirty="0"/>
-              <a:t>Other</a:t>
-            </a:r>
-            <a:br>
-              <a:rPr lang="en-US" sz="1400" dirty="0"/>
-            </a:br>
-            <a:r>
-              <a:rPr lang="en-US" sz="1400" dirty="0">
-                <a:hlinkClick r:id="rId12"/>
-              </a:rPr>
-              <a:t>http://</a:t>
-            </a:r>
-            <a:r>
-              <a:rPr lang="en-US" sz="1400" dirty="0" smtClean="0">
-                <a:hlinkClick r:id="rId12"/>
-              </a:rPr>
-              <a:t>www.adequatelygood.com/2010/3/JavaScript-Module-Pattern-In-Depth</a:t>
-            </a:r>
-            <a:r>
-              <a:rPr lang="en-US" sz="1400" dirty="0" smtClean="0"/>
-              <a:t/>
-            </a:r>
-            <a:br>
-              <a:rPr lang="en-US" sz="1400" dirty="0" smtClean="0"/>
-            </a:br>
-            <a:r>
-              <a:rPr lang="en-US" sz="1400" dirty="0" smtClean="0"/>
-              <a:t/>
-            </a:r>
-            <a:br>
-              <a:rPr lang="en-US" sz="1400" dirty="0" smtClean="0"/>
-            </a:br>
-            <a:r>
-              <a:rPr lang="en-US" sz="1400" dirty="0" smtClean="0"/>
-              <a:t/>
-            </a:r>
-            <a:br>
-              <a:rPr lang="en-US" sz="1400" dirty="0" smtClean="0"/>
-            </a:br>
-            <a:r>
-              <a:rPr lang="en-US" sz="1400" dirty="0" smtClean="0"/>
-              <a:t/>
-            </a:r>
-            <a:br>
-              <a:rPr lang="en-US" sz="1400" dirty="0" smtClean="0"/>
-            </a:br>
-            <a:endParaRPr lang="en-US" sz="1400" i="1" dirty="0"/>
-          </a:p>
-        </p:txBody>
-      </p:sp>
-    </p:spTree>
-    <p:extLst>
-      <p:ext uri="{BB962C8B-B14F-4D97-AF65-F5344CB8AC3E}">
-        <p14:creationId xmlns:p14="http://schemas.microsoft.com/office/powerpoint/2010/main" val="3874270606"/>
-      </p:ext>
-    </p:extLst>
-  </p:cSld>
-  <p:clrMapOvr>
-    <a:masterClrMapping/>
-  </p:clrMapOvr>
-  <p:timing>
-    <p:tnLst>
-      <p:par>
-        <p:cTn id="1" dur="indefinite" restart="never" nodeType="tmRoot"/>
-      </p:par>
-    </p:tnLst>
-  </p:timing>
-</p:sld>
-</file>
-
-<file path=ppt/slides/slide22.xml><?xml version="1.0" encoding="utf-8"?>
-<p:sld xmlns:a="http://schemas.openxmlformats.org/drawingml/2006/main" xmlns:r="http://schemas.openxmlformats.org/officeDocument/2006/relationships" xmlns:p="http://schemas.openxmlformats.org/presentationml/2006/main">
-  <p:cSld>
-    <p:spTree>
-      <p:nvGrpSpPr>
-        <p:cNvPr id="1" name=""/>
-        <p:cNvGrpSpPr/>
-        <p:nvPr/>
-      </p:nvGrpSpPr>
-      <p:grpSpPr>
-        <a:xfrm>
-          <a:off x="0" y="0"/>
-          <a:ext cx="0" cy="0"/>
-          <a:chOff x="0" y="0"/>
-          <a:chExt cx="0" cy="0"/>
-        </a:xfrm>
-      </p:grpSpPr>
-      <p:sp>
-        <p:nvSpPr>
-          <p:cNvPr id="4" name="Title 5"/>
-          <p:cNvSpPr txBox="1">
-            <a:spLocks/>
-          </p:cNvSpPr>
-          <p:nvPr/>
-        </p:nvSpPr>
-        <p:spPr>
-          <a:xfrm>
-            <a:off x="76200" y="1485900"/>
-            <a:ext cx="8991600" cy="2514600"/>
-          </a:xfrm>
-          <a:prstGeom prst="rect">
-            <a:avLst/>
-          </a:prstGeom>
-        </p:spPr>
-        <p:txBody>
-          <a:bodyPr anchor="ctr" anchorCtr="0">
-            <a:noAutofit/>
-          </a:bodyPr>
-          <a:lstStyle>
-            <a:lvl1pPr algn="ctr" defTabSz="914400" rtl="0" eaLnBrk="1" latinLnBrk="0" hangingPunct="1">
-              <a:spcBef>
-                <a:spcPct val="0"/>
-              </a:spcBef>
-              <a:buNone/>
-              <a:defRPr sz="4400" kern="1200">
-                <a:solidFill>
-                  <a:schemeClr val="tx1"/>
-                </a:solidFill>
-                <a:latin typeface="+mj-lt"/>
-                <a:ea typeface="+mj-ea"/>
-                <a:cs typeface="+mj-cs"/>
-              </a:defRPr>
-            </a:lvl1pPr>
-          </a:lstStyle>
-          <a:p>
-            <a:r>
-              <a:rPr lang="en-US" sz="4800" dirty="0" smtClean="0">
-                <a:solidFill>
-                  <a:srgbClr val="FFC000"/>
-                </a:solidFill>
-              </a:rPr>
-              <a:t>github.com/</a:t>
-            </a:r>
-            <a:r>
-              <a:rPr lang="en-US" sz="4800" dirty="0" err="1" smtClean="0">
-                <a:solidFill>
-                  <a:srgbClr val="FFC000"/>
-                </a:solidFill>
-              </a:rPr>
-              <a:t>kindohm</a:t>
-            </a:r>
-            <a:endParaRPr lang="en-US" sz="4800" dirty="0" smtClean="0">
+              <a:t>tccc-jsinheritance</a:t>
+            </a:r>
+            <a:endParaRPr lang="en-US" sz="3200" dirty="0" smtClean="0">
               <a:solidFill>
                 <a:srgbClr val="FFC000"/>
               </a:solidFill>
@@ -5197,66 +5055,78 @@
       <p:sp>
         <p:nvSpPr>
           <p:cNvPr id="6" name="Title 5"/>
-          <p:cNvSpPr>
-            <a:spLocks noGrp="1"/>
-          </p:cNvSpPr>
-          <p:nvPr>
-            <p:ph type="ctrTitle"/>
-          </p:nvPr>
+          <p:cNvSpPr txBox="1">
+            <a:spLocks/>
+          </p:cNvSpPr>
+          <p:nvPr/>
         </p:nvSpPr>
         <p:spPr>
           <a:xfrm>
-            <a:off x="152400" y="1775355"/>
-            <a:ext cx="8915400" cy="1225021"/>
+            <a:off x="76200" y="1295400"/>
+            <a:ext cx="8991600" cy="3124200"/>
           </a:xfrm>
+          <a:prstGeom prst="rect">
+            <a:avLst/>
+          </a:prstGeom>
         </p:spPr>
         <p:txBody>
-          <a:bodyPr>
+          <a:bodyPr anchor="ctr" anchorCtr="0">
             <a:noAutofit/>
           </a:bodyPr>
-          <a:lstStyle/>
-          <a:p>
-            <a:r>
-              <a:rPr lang="en-US" sz="4000" dirty="0" smtClean="0"/>
-              <a:t>Just how </a:t>
-            </a:r>
-            <a:r>
-              <a:rPr lang="en-US" sz="4000" dirty="0" smtClean="0">
-                <a:solidFill>
-                  <a:schemeClr val="accent6">
-                    <a:lumMod val="75000"/>
-                  </a:schemeClr>
+          <a:lstStyle>
+            <a:lvl1pPr algn="ctr" defTabSz="914400" rtl="0" eaLnBrk="1" latinLnBrk="0" hangingPunct="1">
+              <a:spcBef>
+                <a:spcPct val="0"/>
+              </a:spcBef>
+              <a:buNone/>
+              <a:defRPr sz="4400" kern="1200">
+                <a:solidFill>
+                  <a:schemeClr val="tx1"/>
+                </a:solidFill>
+                <a:latin typeface="+mj-lt"/>
+                <a:ea typeface="+mj-ea"/>
+                <a:cs typeface="+mj-cs"/>
+              </a:defRPr>
+            </a:lvl1pPr>
+          </a:lstStyle>
+          <a:p>
+            <a:r>
+              <a:rPr lang="en-US" dirty="0" smtClean="0"/>
+              <a:t>Extensibility</a:t>
+            </a:r>
+          </a:p>
+          <a:p>
+            <a:r>
+              <a:rPr lang="en-US" dirty="0"/>
+              <a:t>&amp;</a:t>
+            </a:r>
+            <a:endParaRPr lang="en-US" dirty="0" smtClean="0"/>
+          </a:p>
+          <a:p>
+            <a:r>
+              <a:rPr lang="en-US" dirty="0" smtClean="0"/>
+              <a:t>Durability</a:t>
+            </a:r>
+          </a:p>
+          <a:p>
+            <a:endParaRPr lang="en-US" dirty="0"/>
+          </a:p>
+          <a:p>
+            <a:r>
+              <a:rPr lang="en-US" sz="2800" dirty="0" smtClean="0">
+                <a:solidFill>
+                  <a:srgbClr val="4D4D4D"/>
                 </a:solidFill>
               </a:rPr>
-              <a:t>dirty</a:t>
-            </a:r>
-            <a:r>
-              <a:rPr lang="en-US" sz="4000" dirty="0" smtClean="0"/>
-              <a:t> and </a:t>
-            </a:r>
-            <a:br>
-              <a:rPr lang="en-US" sz="4000" dirty="0" smtClean="0"/>
-            </a:br>
-            <a:r>
-              <a:rPr lang="en-US" sz="4000" dirty="0" smtClean="0">
-                <a:solidFill>
-                  <a:schemeClr val="accent1"/>
-                </a:solidFill>
-              </a:rPr>
-              <a:t>naughty</a:t>
-            </a:r>
-            <a:r>
-              <a:rPr lang="en-US" sz="4000" dirty="0" smtClean="0"/>
-              <a:t> is JavaScript?</a:t>
-            </a:r>
-            <a:endParaRPr lang="en-US" sz="4000" dirty="0"/>
+              <a:t>a bad example...</a:t>
+            </a:r>
           </a:p>
         </p:txBody>
       </p:sp>
     </p:spTree>
     <p:extLst>
       <p:ext uri="{BB962C8B-B14F-4D97-AF65-F5344CB8AC3E}">
-        <p14:creationId xmlns:p14="http://schemas.microsoft.com/office/powerpoint/2010/main" val="1258092942"/>
+        <p14:creationId xmlns:p14="http://schemas.microsoft.com/office/powerpoint/2010/main" val="1890179619"/>
       </p:ext>
     </p:extLst>
   </p:cSld>
@@ -5292,7 +5162,7 @@
       </p:grpSpPr>
       <p:sp>
         <p:nvSpPr>
-          <p:cNvPr id="6" name="Title 5"/>
+          <p:cNvPr id="4" name="Title 5"/>
           <p:cNvSpPr txBox="1">
             <a:spLocks/>
           </p:cNvSpPr>
@@ -5300,8 +5170,8 @@
         </p:nvSpPr>
         <p:spPr>
           <a:xfrm>
-            <a:off x="76200" y="1295400"/>
-            <a:ext cx="8991600" cy="3124200"/>
+            <a:off x="76200" y="114300"/>
+            <a:ext cx="8991600" cy="5486400"/>
           </a:xfrm>
           <a:prstGeom prst="rect">
             <a:avLst/>
@@ -5330,41 +5200,50 @@
           <a:p>
             <a:r>
               <a:rPr lang="en-US" dirty="0" smtClean="0"/>
-              <a:t>Extensibility</a:t>
-            </a:r>
-          </a:p>
-          <a:p>
-            <a:r>
-              <a:rPr lang="en-US" dirty="0"/>
-              <a:t>&amp;</a:t>
-            </a:r>
-            <a:endParaRPr lang="en-US" dirty="0" smtClean="0"/>
-          </a:p>
-          <a:p>
+              <a:t>How do you </a:t>
+            </a:r>
+            <a:r>
+              <a:rPr lang="en-US" dirty="0" smtClean="0">
+                <a:solidFill>
+                  <a:srgbClr val="00FF00"/>
+                </a:solidFill>
+              </a:rPr>
+              <a:t>do</a:t>
+            </a:r>
             <a:r>
               <a:rPr lang="en-US" dirty="0" smtClean="0"/>
-              <a:t>Durability</a:t>
-            </a:r>
-          </a:p>
-          <a:p>
+              <a:t> </a:t>
+            </a:r>
+            <a:br>
+              <a:rPr lang="en-US" dirty="0" smtClean="0"/>
+            </a:br>
+            <a:r>
+              <a:rPr lang="en-US" dirty="0" smtClean="0">
+                <a:solidFill>
+                  <a:schemeClr val="bg1"/>
+                </a:solidFill>
+              </a:rPr>
+              <a:t>inheritance</a:t>
+            </a:r>
+            <a:endParaRPr lang="en-US" dirty="0">
+              <a:solidFill>
+                <a:schemeClr val="bg1"/>
+              </a:solidFill>
+            </a:endParaRPr>
+          </a:p>
+          <a:p>
+            <a:r>
+              <a:rPr lang="en-US" dirty="0" smtClean="0"/>
+              <a:t>in JavaScript?</a:t>
+            </a:r>
             <a:endParaRPr lang="en-US" dirty="0"/>
-          </a:p>
-          <a:p>
-            <a:r>
-              <a:rPr lang="en-US" sz="2800" dirty="0" smtClean="0">
-                <a:solidFill>
-                  <a:srgbClr val="4D4D4D"/>
-                </a:solidFill>
-              </a:rPr>
-              <a:t>a bad example...</a:t>
-            </a:r>
           </a:p>
         </p:txBody>
       </p:sp>
     </p:spTree>
     <p:extLst>
       <p:ext uri="{BB962C8B-B14F-4D97-AF65-F5344CB8AC3E}">
-        <p14:creationId xmlns:p14="http://schemas.microsoft.com/office/powerpoint/2010/main" val="1890179619"/>
+        <p14:creationId xmlns:p14="http://schemas.microsoft.com/office/powerpoint/2010/main" val="3495086766"/>
       </p:ext>
     </p:extLst>
   </p:cSld>
@@ -5408,8 +5287,8 @@
         </p:nvSpPr>
         <p:spPr>
           <a:xfrm>
-            <a:off x="76200" y="114300"/>
-            <a:ext cx="8991600" cy="5486400"/>
+            <a:off x="1676400" y="723900"/>
+            <a:ext cx="5410200" cy="4114800"/>
           </a:xfrm>
           <a:prstGeom prst="rect">
             <a:avLst/>
@@ -5436,40 +5315,95 @@
             </a:lvl1pPr>
           </a:lstStyle>
           <a:p>
+            <a:pPr algn="l"/>
             <a:r>
               <a:rPr lang="en-US" dirty="0" smtClean="0"/>
-              <a:t>How do you do </a:t>
-            </a:r>
-            <a:br>
-              <a:rPr lang="en-US" dirty="0" smtClean="0"/>
-            </a:br>
-            <a:r>
-              <a:rPr lang="en-US" dirty="0" smtClean="0">
-                <a:solidFill>
-                  <a:srgbClr val="00FF00"/>
-                </a:solidFill>
-              </a:rPr>
-              <a:t>inheritance</a:t>
-            </a:r>
-            <a:endParaRPr lang="en-US" dirty="0">
-              <a:solidFill>
-                <a:srgbClr val="00FF00"/>
-              </a:solidFill>
-            </a:endParaRPr>
-          </a:p>
-          <a:p>
-            <a:r>
-              <a:rPr lang="en-US" dirty="0" smtClean="0"/>
-              <a:t>in JavaScript?</a:t>
-            </a:r>
+              <a:t>Wish List</a:t>
+            </a:r>
+          </a:p>
+          <a:p>
+            <a:pPr algn="l"/>
             <a:endParaRPr lang="en-US" dirty="0"/>
+          </a:p>
+          <a:p>
+            <a:pPr marL="571500" indent="-571500" algn="l">
+              <a:buFontTx/>
+              <a:buChar char="-"/>
+            </a:pPr>
+            <a:r>
+              <a:rPr lang="en-US" sz="2400" dirty="0" smtClean="0"/>
+              <a:t>Inherit properties and methods</a:t>
+            </a:r>
+          </a:p>
+          <a:p>
+            <a:pPr marL="571500" indent="-571500" algn="l">
+              <a:buFontTx/>
+              <a:buChar char="-"/>
+            </a:pPr>
+            <a:r>
+              <a:rPr lang="en-US" sz="2400" dirty="0" smtClean="0"/>
+              <a:t>Super methods</a:t>
+            </a:r>
+          </a:p>
+          <a:p>
+            <a:pPr marL="571500" indent="-571500" algn="l">
+              <a:buFontTx/>
+              <a:buChar char="-"/>
+            </a:pPr>
+            <a:r>
+              <a:rPr lang="en-US" sz="2400" dirty="0" smtClean="0"/>
+              <a:t>Initialization logic</a:t>
+            </a:r>
+          </a:p>
+          <a:p>
+            <a:pPr marL="571500" indent="-571500" algn="l">
+              <a:buFontTx/>
+              <a:buChar char="-"/>
+            </a:pPr>
+            <a:r>
+              <a:rPr lang="en-US" sz="2400" dirty="0" smtClean="0"/>
+              <a:t>Private state</a:t>
+            </a:r>
+          </a:p>
+          <a:p>
+            <a:pPr marL="571500" indent="-571500" algn="l">
+              <a:buFontTx/>
+              <a:buChar char="-"/>
+            </a:pPr>
+            <a:r>
+              <a:rPr lang="en-US" sz="2400" dirty="0" smtClean="0"/>
+              <a:t>Efficient</a:t>
+            </a:r>
+          </a:p>
+          <a:p>
+            <a:pPr marL="571500" indent="-571500" algn="l">
+              <a:buFontTx/>
+              <a:buChar char="-"/>
+            </a:pPr>
+            <a:r>
+              <a:rPr lang="en-US" sz="2400" dirty="0" smtClean="0"/>
+              <a:t>x </a:t>
+            </a:r>
+            <a:r>
+              <a:rPr lang="en-US" sz="2400" dirty="0" err="1" smtClean="0"/>
+              <a:t>instanceof</a:t>
+            </a:r>
+            <a:r>
+              <a:rPr lang="en-US" sz="2400" dirty="0" smtClean="0"/>
+              <a:t> X</a:t>
+            </a:r>
+            <a:endParaRPr lang="en-US" sz="3200" dirty="0"/>
+          </a:p>
+          <a:p>
+            <a:pPr algn="l"/>
+            <a:endParaRPr lang="en-US" sz="3200" dirty="0"/>
           </a:p>
         </p:txBody>
       </p:sp>
     </p:spTree>
     <p:extLst>
       <p:ext uri="{BB962C8B-B14F-4D97-AF65-F5344CB8AC3E}">
-        <p14:creationId xmlns:p14="http://schemas.microsoft.com/office/powerpoint/2010/main" val="3495086766"/>
+        <p14:creationId xmlns:p14="http://schemas.microsoft.com/office/powerpoint/2010/main" val="826805829"/>
       </p:ext>
     </p:extLst>
   </p:cSld>
@@ -5514,7 +5448,7 @@
         <p:spPr>
           <a:xfrm>
             <a:off x="1676400" y="723900"/>
-            <a:ext cx="5410200" cy="4114800"/>
+            <a:ext cx="6858000" cy="4114800"/>
           </a:xfrm>
           <a:prstGeom prst="rect">
             <a:avLst/>
@@ -5544,7 +5478,7 @@
             <a:pPr algn="l"/>
             <a:r>
               <a:rPr lang="en-US" dirty="0" smtClean="0"/>
-              <a:t>Wish List</a:t>
+              <a:t>Road Map</a:t>
             </a:r>
           </a:p>
           <a:p>
@@ -5558,7 +5492,19 @@
             </a:pPr>
             <a:r>
               <a:rPr lang="en-US" sz="2400" dirty="0" smtClean="0"/>
-              <a:t>Inherit properties and methods</a:t>
+              <a:t>The three basic </a:t>
+            </a:r>
+            <a:r>
+              <a:rPr lang="en-US" sz="2400" dirty="0" err="1" smtClean="0"/>
+              <a:t>Crockford</a:t>
+            </a:r>
+            <a:r>
+              <a:rPr lang="en-US" sz="2400" dirty="0" smtClean="0"/>
+              <a:t> </a:t>
+            </a:r>
+            <a:r>
+              <a:rPr lang="en-US" sz="2400" dirty="0" smtClean="0"/>
+              <a:t>approaches</a:t>
             </a:r>
           </a:p>
           <a:p>
@@ -5568,8 +5514,9 @@
             </a:pPr>
             <a:r>
               <a:rPr lang="en-US" sz="2400" dirty="0" smtClean="0"/>
-              <a:t>Super methods</a:t>
-            </a:r>
+              <a:t>Mash-ups</a:t>
+            </a:r>
+            <a:endParaRPr lang="en-US" sz="2400" dirty="0" smtClean="0"/>
           </a:p>
           <a:p>
             <a:pPr marL="571500" indent="-571500" algn="l">
@@ -5578,7 +5525,7 @@
             </a:pPr>
             <a:r>
               <a:rPr lang="en-US" sz="2400" dirty="0" smtClean="0"/>
-              <a:t>Initialization logic</a:t>
+              <a:t>Super methods</a:t>
             </a:r>
           </a:p>
           <a:p>
@@ -5598,7 +5545,7 @@
             </a:pPr>
             <a:r>
               <a:rPr lang="en-US" sz="2400" dirty="0" smtClean="0"/>
-              <a:t>Efficient</a:t>
+              <a:t>Initialization</a:t>
             </a:r>
           </a:p>
           <a:p>
@@ -5608,15 +5555,19 @@
             </a:pPr>
             <a:r>
               <a:rPr lang="en-US" sz="2400" dirty="0" smtClean="0"/>
-              <a:t>x </a:t>
-            </a:r>
-            <a:r>
-              <a:rPr lang="en-US" sz="2400" dirty="0" err="1" smtClean="0"/>
-              <a:t>instanceof</a:t>
+              <a:t>3</a:t>
+            </a:r>
+            <a:r>
+              <a:rPr lang="en-US" sz="2400" baseline="30000" dirty="0" smtClean="0"/>
+              <a:t>rd</a:t>
             </a:r>
             <a:r>
               <a:rPr lang="en-US" sz="2400" dirty="0" smtClean="0"/>
-              <a:t> X</a:t>
+              <a:t> party </a:t>
+            </a:r>
+            <a:r>
+              <a:rPr lang="en-US" sz="2400" dirty="0" smtClean="0"/>
+              <a:t>libraries</a:t>
             </a:r>
             <a:endParaRPr lang="en-US" sz="3200" dirty="0"/>
           </a:p>
@@ -5629,7 +5580,7 @@
     </p:spTree>
     <p:extLst>
       <p:ext uri="{BB962C8B-B14F-4D97-AF65-F5344CB8AC3E}">
-        <p14:creationId xmlns:p14="http://schemas.microsoft.com/office/powerpoint/2010/main" val="826805829"/>
+        <p14:creationId xmlns:p14="http://schemas.microsoft.com/office/powerpoint/2010/main" val="1727812655"/>
       </p:ext>
     </p:extLst>
   </p:cSld>
@@ -5673,8 +5624,8 @@
         </p:nvSpPr>
         <p:spPr>
           <a:xfrm>
-            <a:off x="1676400" y="723900"/>
-            <a:ext cx="6858000" cy="4114800"/>
+            <a:off x="76200" y="1714500"/>
+            <a:ext cx="8991600" cy="2514600"/>
           </a:xfrm>
           <a:prstGeom prst="rect">
             <a:avLst/>
@@ -5701,93 +5652,53 @@
             </a:lvl1pPr>
           </a:lstStyle>
           <a:p>
-            <a:pPr algn="l"/>
             <a:r>
               <a:rPr lang="en-US" dirty="0" smtClean="0"/>
-              <a:t>Road Map</a:t>
-            </a:r>
-          </a:p>
-          <a:p>
-            <a:pPr algn="l"/>
+              <a:t>Classical inheritance.</a:t>
+            </a:r>
+          </a:p>
+          <a:p>
             <a:endParaRPr lang="en-US" dirty="0"/>
           </a:p>
           <a:p>
-            <a:pPr marL="571500" indent="-571500" algn="l">
-              <a:buFontTx/>
-              <a:buChar char="-"/>
-            </a:pPr>
-            <a:r>
-              <a:rPr lang="en-US" sz="2400" dirty="0" smtClean="0"/>
-              <a:t>The three basic </a:t>
-            </a:r>
-            <a:r>
-              <a:rPr lang="en-US" sz="2400" dirty="0" err="1" smtClean="0"/>
-              <a:t>Crockford</a:t>
-            </a:r>
-            <a:r>
-              <a:rPr lang="en-US" sz="2400" dirty="0" smtClean="0"/>
-              <a:t> approaches</a:t>
-            </a:r>
-          </a:p>
-          <a:p>
-            <a:pPr marL="571500" indent="-571500" algn="l">
-              <a:buFontTx/>
-              <a:buChar char="-"/>
-            </a:pPr>
-            <a:r>
-              <a:rPr lang="en-US" sz="2400" dirty="0" smtClean="0"/>
-              <a:t>Super methods</a:t>
-            </a:r>
-          </a:p>
-          <a:p>
-            <a:pPr marL="571500" indent="-571500" algn="l">
-              <a:buFontTx/>
-              <a:buChar char="-"/>
-            </a:pPr>
-            <a:r>
-              <a:rPr lang="en-US" sz="2400" dirty="0" smtClean="0"/>
-              <a:t>Private state</a:t>
-            </a:r>
-          </a:p>
-          <a:p>
-            <a:pPr marL="571500" indent="-571500" algn="l">
-              <a:buFontTx/>
-              <a:buChar char="-"/>
-            </a:pPr>
-            <a:r>
-              <a:rPr lang="en-US" sz="2400" dirty="0" smtClean="0"/>
-              <a:t>Initialization</a:t>
-            </a:r>
-          </a:p>
-          <a:p>
-            <a:pPr marL="571500" indent="-571500" algn="l">
-              <a:buFontTx/>
-              <a:buChar char="-"/>
-            </a:pPr>
-            <a:r>
-              <a:rPr lang="en-US" sz="2400" dirty="0" smtClean="0"/>
-              <a:t>3</a:t>
-            </a:r>
-            <a:r>
-              <a:rPr lang="en-US" sz="2400" baseline="30000" dirty="0" smtClean="0"/>
-              <a:t>rd</a:t>
-            </a:r>
-            <a:r>
-              <a:rPr lang="en-US" sz="2400" dirty="0" smtClean="0"/>
-              <a:t> party approaches</a:t>
-            </a:r>
-            <a:endParaRPr lang="en-US" sz="3200" dirty="0"/>
-          </a:p>
-          <a:p>
-            <a:pPr algn="l"/>
-            <a:endParaRPr lang="en-US" sz="3200" dirty="0"/>
+            <a:r>
+              <a:rPr lang="en-US" sz="2800" dirty="0" smtClean="0">
+                <a:solidFill>
+                  <a:schemeClr val="accent6">
+                    <a:lumMod val="75000"/>
+                  </a:schemeClr>
+                </a:solidFill>
+              </a:rPr>
+              <a:t>attempt </a:t>
+            </a:r>
+            <a:r>
+              <a:rPr lang="en-US" sz="2800" dirty="0" smtClean="0">
+                <a:solidFill>
+                  <a:schemeClr val="accent6">
+                    <a:lumMod val="75000"/>
+                  </a:schemeClr>
+                </a:solidFill>
+              </a:rPr>
+              <a:t>at a class-based </a:t>
+            </a:r>
+            <a:r>
+              <a:rPr lang="en-US" sz="2800" dirty="0" smtClean="0">
+                <a:solidFill>
+                  <a:schemeClr val="accent6">
+                    <a:lumMod val="75000"/>
+                  </a:schemeClr>
+                </a:solidFill>
+              </a:rPr>
+              <a:t>system?</a:t>
+            </a:r>
+            <a:endParaRPr lang="en-US" sz="2800" dirty="0" smtClean="0"/>
           </a:p>
         </p:txBody>
       </p:sp>
     </p:spTree>
     <p:extLst>
       <p:ext uri="{BB962C8B-B14F-4D97-AF65-F5344CB8AC3E}">
-        <p14:creationId xmlns:p14="http://schemas.microsoft.com/office/powerpoint/2010/main" val="1727812655"/>
+        <p14:creationId xmlns:p14="http://schemas.microsoft.com/office/powerpoint/2010/main" val="2117359295"/>
       </p:ext>
     </p:extLst>
   </p:cSld>
@@ -5861,7 +5772,7 @@
           <a:p>
             <a:r>
               <a:rPr lang="en-US" dirty="0" smtClean="0"/>
-              <a:t>Classical inheritance.</a:t>
+              <a:t>Prototypal inheritance.</a:t>
             </a:r>
           </a:p>
           <a:p>
@@ -5871,21 +5782,18 @@
             <a:r>
               <a:rPr lang="en-US" sz="2800" dirty="0" smtClean="0">
                 <a:solidFill>
-                  <a:schemeClr val="accent6">
-                    <a:lumMod val="75000"/>
-                  </a:schemeClr>
+                  <a:srgbClr val="00B0F0"/>
                 </a:solidFill>
               </a:rPr>
-              <a:t>dirty attempt at a class-based system.</a:t>
-            </a:r>
-            <a:endParaRPr lang="en-US" sz="2800" dirty="0" smtClean="0"/>
+              <a:t>just the objects.</a:t>
+            </a:r>
           </a:p>
         </p:txBody>
       </p:sp>
     </p:spTree>
     <p:extLst>
       <p:ext uri="{BB962C8B-B14F-4D97-AF65-F5344CB8AC3E}">
-        <p14:creationId xmlns:p14="http://schemas.microsoft.com/office/powerpoint/2010/main" val="2117359295"/>
+        <p14:creationId xmlns:p14="http://schemas.microsoft.com/office/powerpoint/2010/main" val="2585702354"/>
       </p:ext>
     </p:extLst>
   </p:cSld>
